--- a/Aulas/Gestao de Projetos/PPT/Aula 08/Aula 08.pptx
+++ b/Aulas/Gestao de Projetos/PPT/Aula 08/Aula 08.pptx
@@ -4161,6 +4161,42 @@
           </a:p>
         </p:txBody>
       </p:sp>
+      <p:pic>
+        <p:nvPicPr>
+          <p:cNvPr id="5" name="Imagem 4" descr="Imagem em preto e branco">
+            <a:extLst>
+              <a:ext uri="{FF2B5EF4-FFF2-40B4-BE49-F238E27FC236}">
+                <a16:creationId xmlns:a16="http://schemas.microsoft.com/office/drawing/2014/main" id="{B4404C6E-D3A6-D62C-5EDF-C9D0FA981E26}"/>
+              </a:ext>
+            </a:extLst>
+          </p:cNvPr>
+          <p:cNvPicPr>
+            <a:picLocks noChangeAspect="1"/>
+          </p:cNvPicPr>
+          <p:nvPr/>
+        </p:nvPicPr>
+        <p:blipFill>
+          <a:blip r:embed="rId2">
+            <a:extLst>
+              <a:ext uri="{28A0092B-C50C-407E-A947-70E740481C1C}">
+                <a14:useLocalDpi xmlns:a14="http://schemas.microsoft.com/office/drawing/2010/main" val="0"/>
+              </a:ext>
+            </a:extLst>
+          </a:blip>
+          <a:stretch>
+            <a:fillRect/>
+          </a:stretch>
+        </p:blipFill>
+        <p:spPr>
+          <a:xfrm>
+            <a:off x="5952754" y="2781294"/>
+            <a:ext cx="4076706" cy="4076706"/>
+          </a:xfrm>
+          <a:prstGeom prst="rect">
+            <a:avLst/>
+          </a:prstGeom>
+        </p:spPr>
+      </p:pic>
     </p:spTree>
     <p:extLst>
       <p:ext uri="{BB962C8B-B14F-4D97-AF65-F5344CB8AC3E}">
@@ -4275,6 +4311,42 @@
           </a:p>
         </p:txBody>
       </p:sp>
+      <p:pic>
+        <p:nvPicPr>
+          <p:cNvPr id="5" name="Imagem 4" descr="Imagem em preto e branco">
+            <a:extLst>
+              <a:ext uri="{FF2B5EF4-FFF2-40B4-BE49-F238E27FC236}">
+                <a16:creationId xmlns:a16="http://schemas.microsoft.com/office/drawing/2014/main" id="{17CE512E-1893-74E8-D4F2-2A65AF096979}"/>
+              </a:ext>
+            </a:extLst>
+          </p:cNvPr>
+          <p:cNvPicPr>
+            <a:picLocks noChangeAspect="1"/>
+          </p:cNvPicPr>
+          <p:nvPr/>
+        </p:nvPicPr>
+        <p:blipFill>
+          <a:blip r:embed="rId2">
+            <a:extLst>
+              <a:ext uri="{28A0092B-C50C-407E-A947-70E740481C1C}">
+                <a14:useLocalDpi xmlns:a14="http://schemas.microsoft.com/office/drawing/2010/main" val="0"/>
+              </a:ext>
+            </a:extLst>
+          </a:blip>
+          <a:stretch>
+            <a:fillRect/>
+          </a:stretch>
+        </p:blipFill>
+        <p:spPr>
+          <a:xfrm>
+            <a:off x="5952754" y="2781294"/>
+            <a:ext cx="4076706" cy="4076706"/>
+          </a:xfrm>
+          <a:prstGeom prst="rect">
+            <a:avLst/>
+          </a:prstGeom>
+        </p:spPr>
+      </p:pic>
     </p:spTree>
     <p:extLst>
       <p:ext uri="{BB962C8B-B14F-4D97-AF65-F5344CB8AC3E}">
@@ -4357,16 +4429,16 @@
         </p:spPr>
         <p:txBody>
           <a:bodyPr>
-            <a:normAutofit fontScale="77500" lnSpcReduction="20000"/>
+            <a:normAutofit fontScale="85000" lnSpcReduction="20000"/>
           </a:bodyPr>
           <a:lstStyle/>
           <a:p>
-            <a:pPr marL="514350" indent="-514350">
-              <a:buAutoNum type="arabicPeriod"/>
+            <a:pPr marL="0" indent="0">
+              <a:buNone/>
             </a:pPr>
             <a:r>
               <a:rPr lang="pt-BR" sz="2800" dirty="0"/>
-              <a:t>Quais os principais desafios na gestão de projetos?</a:t>
+              <a:t>1. Quais os principais desafios na gestão de projetos?</a:t>
             </a:r>
           </a:p>
           <a:p>

--- a/Aulas/Gestao de Projetos/PPT/Aula 08/Aula 08.pptx
+++ b/Aulas/Gestao de Projetos/PPT/Aula 08/Aula 08.pptx
@@ -6,9 +6,19 @@
   </p:sldMasterIdLst>
   <p:sldIdLst>
     <p:sldId id="256" r:id="rId2"/>
-    <p:sldId id="257" r:id="rId3"/>
-    <p:sldId id="258" r:id="rId4"/>
-    <p:sldId id="259" r:id="rId5"/>
+    <p:sldId id="266" r:id="rId3"/>
+    <p:sldId id="265" r:id="rId4"/>
+    <p:sldId id="257" r:id="rId5"/>
+    <p:sldId id="258" r:id="rId6"/>
+    <p:sldId id="259" r:id="rId7"/>
+    <p:sldId id="260" r:id="rId8"/>
+    <p:sldId id="261" r:id="rId9"/>
+    <p:sldId id="262" r:id="rId10"/>
+    <p:sldId id="263" r:id="rId11"/>
+    <p:sldId id="268" r:id="rId12"/>
+    <p:sldId id="267" r:id="rId13"/>
+    <p:sldId id="269" r:id="rId14"/>
+    <p:sldId id="270" r:id="rId15"/>
   </p:sldIdLst>
   <p:sldSz cx="12192000" cy="6858000"/>
   <p:notesSz cx="6858000" cy="9144000"/>
@@ -266,7 +276,7 @@
           <a:p>
             <a:fld id="{8C28A28C-4C6A-46EA-90C0-4EE0B89CC5C7}" type="datetimeFigureOut">
               <a:rPr lang="en-US" smtClean="0"/>
-              <a:t>1/8/2024</a:t>
+              <a:t>12/29/2023</a:t>
             </a:fld>
             <a:endParaRPr lang="en-US" dirty="0"/>
           </a:p>
@@ -464,7 +474,7 @@
           <a:p>
             <a:fld id="{8C28A28C-4C6A-46EA-90C0-4EE0B89CC5C7}" type="datetimeFigureOut">
               <a:rPr lang="en-US" smtClean="0"/>
-              <a:t>1/8/2024</a:t>
+              <a:t>12/29/2023</a:t>
             </a:fld>
             <a:endParaRPr lang="en-US"/>
           </a:p>
@@ -672,7 +682,7 @@
           <a:p>
             <a:fld id="{8C28A28C-4C6A-46EA-90C0-4EE0B89CC5C7}" type="datetimeFigureOut">
               <a:rPr lang="en-US" smtClean="0"/>
-              <a:t>1/8/2024</a:t>
+              <a:t>12/29/2023</a:t>
             </a:fld>
             <a:endParaRPr lang="en-US"/>
           </a:p>
@@ -870,7 +880,7 @@
           <a:p>
             <a:fld id="{8C28A28C-4C6A-46EA-90C0-4EE0B89CC5C7}" type="datetimeFigureOut">
               <a:rPr lang="en-US" smtClean="0"/>
-              <a:t>1/8/2024</a:t>
+              <a:t>12/29/2023</a:t>
             </a:fld>
             <a:endParaRPr lang="en-US"/>
           </a:p>
@@ -1147,7 +1157,7 @@
           <a:p>
             <a:fld id="{8C28A28C-4C6A-46EA-90C0-4EE0B89CC5C7}" type="datetimeFigureOut">
               <a:rPr lang="en-US" smtClean="0"/>
-              <a:t>1/8/2024</a:t>
+              <a:t>12/29/2023</a:t>
             </a:fld>
             <a:endParaRPr lang="en-US"/>
           </a:p>
@@ -1412,7 +1422,7 @@
           <a:p>
             <a:fld id="{8C28A28C-4C6A-46EA-90C0-4EE0B89CC5C7}" type="datetimeFigureOut">
               <a:rPr lang="en-US" smtClean="0"/>
-              <a:t>1/8/2024</a:t>
+              <a:t>12/29/2023</a:t>
             </a:fld>
             <a:endParaRPr lang="en-US"/>
           </a:p>
@@ -1824,7 +1834,7 @@
           <a:p>
             <a:fld id="{8C28A28C-4C6A-46EA-90C0-4EE0B89CC5C7}" type="datetimeFigureOut">
               <a:rPr lang="en-US" smtClean="0"/>
-              <a:t>1/8/2024</a:t>
+              <a:t>12/29/2023</a:t>
             </a:fld>
             <a:endParaRPr lang="en-US"/>
           </a:p>
@@ -1965,7 +1975,7 @@
           <a:p>
             <a:fld id="{8C28A28C-4C6A-46EA-90C0-4EE0B89CC5C7}" type="datetimeFigureOut">
               <a:rPr lang="en-US" smtClean="0"/>
-              <a:t>1/8/2024</a:t>
+              <a:t>12/29/2023</a:t>
             </a:fld>
             <a:endParaRPr lang="en-US"/>
           </a:p>
@@ -2078,7 +2088,7 @@
           <a:p>
             <a:fld id="{8C28A28C-4C6A-46EA-90C0-4EE0B89CC5C7}" type="datetimeFigureOut">
               <a:rPr lang="en-US" smtClean="0"/>
-              <a:t>1/8/2024</a:t>
+              <a:t>12/29/2023</a:t>
             </a:fld>
             <a:endParaRPr lang="en-US"/>
           </a:p>
@@ -2391,7 +2401,7 @@
           <a:p>
             <a:fld id="{8C28A28C-4C6A-46EA-90C0-4EE0B89CC5C7}" type="datetimeFigureOut">
               <a:rPr lang="en-US" smtClean="0"/>
-              <a:t>1/8/2024</a:t>
+              <a:t>12/29/2023</a:t>
             </a:fld>
             <a:endParaRPr lang="en-US"/>
           </a:p>
@@ -2679,7 +2689,7 @@
           <a:p>
             <a:fld id="{8C28A28C-4C6A-46EA-90C0-4EE0B89CC5C7}" type="datetimeFigureOut">
               <a:rPr lang="en-US" smtClean="0"/>
-              <a:t>1/8/2024</a:t>
+              <a:t>12/29/2023</a:t>
             </a:fld>
             <a:endParaRPr lang="en-US"/>
           </a:p>
@@ -3034,7 +3044,7 @@
             <a:fld id="{8C28A28C-4C6A-46EA-90C0-4EE0B89CC5C7}" type="datetimeFigureOut">
               <a:rPr lang="en-US" smtClean="0"/>
               <a:pPr/>
-              <a:t>1/8/2024</a:t>
+              <a:t>12/29/2023</a:t>
             </a:fld>
             <a:endParaRPr lang="en-US" dirty="0"/>
           </a:p>
@@ -3598,11 +3608,8 @@
           <a:p>
             <a:r>
               <a:rPr lang="pt-BR" dirty="0"/>
-              <a:t>Desafio</a:t>
-            </a:r>
-          </a:p>
-          <a:p>
-            <a:endParaRPr lang="pt-BR" dirty="0"/>
+              <a:t>TAP e SMART</a:t>
+            </a:r>
           </a:p>
         </p:txBody>
       </p:sp>
@@ -4068,6 +4075,1448 @@
 </p:sld>
 </file>
 
+<file path=ppt/slides/slide10.xml><?xml version="1.0" encoding="utf-8"?>
+<p:sld xmlns:a="http://schemas.openxmlformats.org/drawingml/2006/main" xmlns:r="http://schemas.openxmlformats.org/officeDocument/2006/relationships" xmlns:p="http://schemas.openxmlformats.org/presentationml/2006/main">
+  <p:cSld>
+    <p:spTree>
+      <p:nvGrpSpPr>
+        <p:cNvPr id="1" name=""/>
+        <p:cNvGrpSpPr/>
+        <p:nvPr/>
+      </p:nvGrpSpPr>
+      <p:grpSpPr>
+        <a:xfrm>
+          <a:off x="0" y="0"/>
+          <a:ext cx="0" cy="0"/>
+          <a:chOff x="0" y="0"/>
+          <a:chExt cx="0" cy="0"/>
+        </a:xfrm>
+      </p:grpSpPr>
+      <p:sp>
+        <p:nvSpPr>
+          <p:cNvPr id="3" name="CaixaDeTexto 2">
+            <a:extLst>
+              <a:ext uri="{FF2B5EF4-FFF2-40B4-BE49-F238E27FC236}">
+                <a16:creationId xmlns:a16="http://schemas.microsoft.com/office/drawing/2014/main" id="{C1328C8D-C507-1A52-B82C-CD0438DFF5E9}"/>
+              </a:ext>
+            </a:extLst>
+          </p:cNvPr>
+          <p:cNvSpPr txBox="1"/>
+          <p:nvPr/>
+        </p:nvSpPr>
+        <p:spPr>
+          <a:xfrm>
+            <a:off x="7410905" y="-1195343"/>
+            <a:ext cx="5473595" cy="9248686"/>
+          </a:xfrm>
+          <a:prstGeom prst="rect">
+            <a:avLst/>
+          </a:prstGeom>
+          <a:noFill/>
+        </p:spPr>
+        <p:txBody>
+          <a:bodyPr wrap="square" rtlCol="0">
+            <a:spAutoFit/>
+          </a:bodyPr>
+          <a:lstStyle/>
+          <a:p>
+            <a:r>
+              <a:rPr lang="pt-BR" sz="59500" dirty="0">
+                <a:solidFill>
+                  <a:srgbClr val="3E5AA3">
+                    <a:alpha val="30000"/>
+                  </a:srgbClr>
+                </a:solidFill>
+                <a:latin typeface="Algerian" panose="04020705040A02060702" pitchFamily="82" charset="0"/>
+              </a:rPr>
+              <a:t>T</a:t>
+            </a:r>
+          </a:p>
+        </p:txBody>
+      </p:sp>
+      <p:sp>
+        <p:nvSpPr>
+          <p:cNvPr id="2" name="Retângulo: Cantos Arredondados 1">
+            <a:extLst>
+              <a:ext uri="{FF2B5EF4-FFF2-40B4-BE49-F238E27FC236}">
+                <a16:creationId xmlns:a16="http://schemas.microsoft.com/office/drawing/2014/main" id="{E8D2D15F-FF3B-6647-918D-EC21CAB929AD}"/>
+              </a:ext>
+            </a:extLst>
+          </p:cNvPr>
+          <p:cNvSpPr/>
+          <p:nvPr/>
+        </p:nvSpPr>
+        <p:spPr>
+          <a:xfrm>
+            <a:off x="941034" y="630315"/>
+            <a:ext cx="4625266" cy="852256"/>
+          </a:xfrm>
+          <a:prstGeom prst="roundRect">
+            <a:avLst/>
+          </a:prstGeom>
+          <a:solidFill>
+            <a:srgbClr val="3E5AA3"/>
+          </a:solidFill>
+          <a:ln>
+            <a:noFill/>
+          </a:ln>
+        </p:spPr>
+        <p:style>
+          <a:lnRef idx="2">
+            <a:schemeClr val="accent1">
+              <a:shade val="15000"/>
+            </a:schemeClr>
+          </a:lnRef>
+          <a:fillRef idx="1">
+            <a:schemeClr val="accent1"/>
+          </a:fillRef>
+          <a:effectRef idx="0">
+            <a:schemeClr val="accent1"/>
+          </a:effectRef>
+          <a:fontRef idx="minor">
+            <a:schemeClr val="lt1"/>
+          </a:fontRef>
+        </p:style>
+        <p:txBody>
+          <a:bodyPr rtlCol="0" anchor="ctr"/>
+          <a:lstStyle/>
+          <a:p>
+            <a:pPr algn="ctr"/>
+            <a:r>
+              <a:rPr lang="pt-BR" sz="3600" b="1" i="0" dirty="0">
+                <a:effectLst/>
+                <a:latin typeface="Söhne"/>
+              </a:rPr>
+              <a:t>Sprint no </a:t>
+            </a:r>
+            <a:r>
+              <a:rPr lang="pt-BR" sz="3600" b="1" i="0" dirty="0" err="1">
+                <a:effectLst/>
+                <a:latin typeface="Söhne"/>
+              </a:rPr>
+              <a:t>Jira</a:t>
+            </a:r>
+            <a:endParaRPr lang="pt-BR" sz="3600" b="1" i="0" dirty="0">
+              <a:effectLst/>
+              <a:latin typeface="Söhne"/>
+            </a:endParaRPr>
+          </a:p>
+        </p:txBody>
+      </p:sp>
+      <p:sp>
+        <p:nvSpPr>
+          <p:cNvPr id="6" name="CaixaDeTexto 5">
+            <a:extLst>
+              <a:ext uri="{FF2B5EF4-FFF2-40B4-BE49-F238E27FC236}">
+                <a16:creationId xmlns:a16="http://schemas.microsoft.com/office/drawing/2014/main" id="{CB1EDFA3-A0AA-3539-A6E7-C3BF38E6D408}"/>
+              </a:ext>
+            </a:extLst>
+          </p:cNvPr>
+          <p:cNvSpPr txBox="1"/>
+          <p:nvPr/>
+        </p:nvSpPr>
+        <p:spPr>
+          <a:xfrm>
+            <a:off x="941034" y="1857827"/>
+            <a:ext cx="11697907" cy="3970318"/>
+          </a:xfrm>
+          <a:prstGeom prst="rect">
+            <a:avLst/>
+          </a:prstGeom>
+          <a:noFill/>
+        </p:spPr>
+        <p:txBody>
+          <a:bodyPr wrap="square" rtlCol="0">
+            <a:spAutoFit/>
+          </a:bodyPr>
+          <a:lstStyle/>
+          <a:p>
+            <a:r>
+              <a:rPr lang="pt-BR" sz="2800" dirty="0"/>
+              <a:t>Objetivos temporais têm um prazo definido para conclusão, criando senso de urgência e foco.</a:t>
+            </a:r>
+          </a:p>
+          <a:p>
+            <a:endParaRPr lang="pt-BR" sz="2800" dirty="0"/>
+          </a:p>
+          <a:p>
+            <a:r>
+              <a:rPr lang="pt-BR" sz="2800" dirty="0"/>
+              <a:t>A definição de um prazo para um objetivo ajuda a criar um senso de responsabilidade e evita procrastinação. </a:t>
+            </a:r>
+          </a:p>
+          <a:p>
+            <a:endParaRPr lang="pt-BR" sz="2800" dirty="0"/>
+          </a:p>
+          <a:p>
+            <a:r>
+              <a:rPr lang="pt-BR" sz="2800" dirty="0"/>
+              <a:t>Por exemplo, transformar "Implementar melhorias no processo" em "Implementar melhorias no processo até o final do segundo trimestre" adiciona uma dimensão temporal ao objetivo.</a:t>
+            </a:r>
+          </a:p>
+        </p:txBody>
+      </p:sp>
+    </p:spTree>
+    <p:extLst>
+      <p:ext uri="{BB962C8B-B14F-4D97-AF65-F5344CB8AC3E}">
+        <p14:creationId xmlns:p14="http://schemas.microsoft.com/office/powerpoint/2010/main" val="22241259"/>
+      </p:ext>
+    </p:extLst>
+  </p:cSld>
+  <p:clrMapOvr>
+    <a:masterClrMapping/>
+  </p:clrMapOvr>
+</p:sld>
+</file>
+
+<file path=ppt/slides/slide11.xml><?xml version="1.0" encoding="utf-8"?>
+<p:sld xmlns:a="http://schemas.openxmlformats.org/drawingml/2006/main" xmlns:r="http://schemas.openxmlformats.org/officeDocument/2006/relationships" xmlns:p="http://schemas.openxmlformats.org/presentationml/2006/main">
+  <p:cSld>
+    <p:spTree>
+      <p:nvGrpSpPr>
+        <p:cNvPr id="1" name=""/>
+        <p:cNvGrpSpPr/>
+        <p:nvPr/>
+      </p:nvGrpSpPr>
+      <p:grpSpPr>
+        <a:xfrm>
+          <a:off x="0" y="0"/>
+          <a:ext cx="0" cy="0"/>
+          <a:chOff x="0" y="0"/>
+          <a:chExt cx="0" cy="0"/>
+        </a:xfrm>
+      </p:grpSpPr>
+      <mc:AlternateContent xmlns:mc="http://schemas.openxmlformats.org/markup-compatibility/2006">
+        <mc:Choice xmlns:pslz="http://schemas.microsoft.com/office/powerpoint/2016/slidezoom" Requires="pslz">
+          <p:graphicFrame>
+            <p:nvGraphicFramePr>
+              <p:cNvPr id="37" name="Zoom de Slide 36">
+                <a:extLst>
+                  <a:ext uri="{FF2B5EF4-FFF2-40B4-BE49-F238E27FC236}">
+                    <a16:creationId xmlns:a16="http://schemas.microsoft.com/office/drawing/2014/main" id="{485A0AE6-7920-F01B-E1F6-73E20BDD974C}"/>
+                  </a:ext>
+                </a:extLst>
+              </p:cNvPr>
+              <p:cNvGraphicFramePr>
+                <a:graphicFrameLocks noChangeAspect="1"/>
+              </p:cNvGraphicFramePr>
+              <p:nvPr/>
+            </p:nvGraphicFramePr>
+            <p:xfrm>
+              <a:off x="821735" y="2921314"/>
+              <a:ext cx="1639348" cy="922133"/>
+            </p:xfrm>
+            <a:graphic>
+              <a:graphicData uri="http://schemas.microsoft.com/office/powerpoint/2016/slidezoom">
+                <pslz:sldZm>
+                  <pslz:sldZmObj sldId="259" cId="3356647982">
+                    <pslz:zmPr id="{ACB7EF8C-79F6-4532-B1D9-43F38B40AC4E}" returnToParent="0" transitionDur="1000">
+                      <p166:blipFill xmlns:p166="http://schemas.microsoft.com/office/powerpoint/2016/6/main">
+                        <a:blip r:embed="rId2"/>
+                        <a:stretch>
+                          <a:fillRect/>
+                        </a:stretch>
+                      </p166:blipFill>
+                      <p166:spPr xmlns:p166="http://schemas.microsoft.com/office/powerpoint/2016/6/main">
+                        <a:xfrm>
+                          <a:off x="0" y="0"/>
+                          <a:ext cx="1639348" cy="922133"/>
+                        </a:xfrm>
+                        <a:prstGeom prst="rect">
+                          <a:avLst/>
+                        </a:prstGeom>
+                        <a:ln w="3175">
+                          <a:solidFill>
+                            <a:prstClr val="ltGray"/>
+                          </a:solidFill>
+                        </a:ln>
+                      </p166:spPr>
+                    </pslz:zmPr>
+                  </pslz:sldZmObj>
+                </pslz:sldZm>
+              </a:graphicData>
+            </a:graphic>
+          </p:graphicFrame>
+        </mc:Choice>
+        <mc:Fallback>
+          <p:pic>
+            <p:nvPicPr>
+              <p:cNvPr id="37" name="Zoom de Slide 36">
+                <a:hlinkClick r:id="rId3" action="ppaction://hlinksldjump"/>
+                <a:extLst>
+                  <a:ext uri="{FF2B5EF4-FFF2-40B4-BE49-F238E27FC236}">
+                    <a16:creationId xmlns:a16="http://schemas.microsoft.com/office/drawing/2014/main" id="{485A0AE6-7920-F01B-E1F6-73E20BDD974C}"/>
+                  </a:ext>
+                </a:extLst>
+              </p:cNvPr>
+              <p:cNvPicPr>
+                <a:picLocks noGrp="1" noRot="1" noChangeAspect="1" noMove="1" noResize="1" noEditPoints="1" noAdjustHandles="1" noChangeArrowheads="1" noChangeShapeType="1"/>
+              </p:cNvPicPr>
+              <p:nvPr/>
+            </p:nvPicPr>
+            <p:blipFill>
+              <a:blip r:embed="rId2"/>
+              <a:stretch>
+                <a:fillRect/>
+              </a:stretch>
+            </p:blipFill>
+            <p:spPr>
+              <a:xfrm>
+                <a:off x="821735" y="2921314"/>
+                <a:ext cx="1639348" cy="922133"/>
+              </a:xfrm>
+              <a:prstGeom prst="rect">
+                <a:avLst/>
+              </a:prstGeom>
+              <a:ln w="3175">
+                <a:solidFill>
+                  <a:prstClr val="ltGray"/>
+                </a:solidFill>
+              </a:ln>
+            </p:spPr>
+          </p:pic>
+        </mc:Fallback>
+      </mc:AlternateContent>
+      <mc:AlternateContent xmlns:mc="http://schemas.openxmlformats.org/markup-compatibility/2006">
+        <mc:Choice xmlns:pslz="http://schemas.microsoft.com/office/powerpoint/2016/slidezoom" Requires="pslz">
+          <p:graphicFrame>
+            <p:nvGraphicFramePr>
+              <p:cNvPr id="39" name="Zoom de Slide 38">
+                <a:extLst>
+                  <a:ext uri="{FF2B5EF4-FFF2-40B4-BE49-F238E27FC236}">
+                    <a16:creationId xmlns:a16="http://schemas.microsoft.com/office/drawing/2014/main" id="{6B73EB61-00D2-62BC-7542-AA783813896E}"/>
+                  </a:ext>
+                </a:extLst>
+              </p:cNvPr>
+              <p:cNvGraphicFramePr>
+                <a:graphicFrameLocks noChangeAspect="1"/>
+              </p:cNvGraphicFramePr>
+              <p:nvPr/>
+            </p:nvGraphicFramePr>
+            <p:xfrm>
+              <a:off x="3077593" y="2936151"/>
+              <a:ext cx="1639348" cy="922133"/>
+            </p:xfrm>
+            <a:graphic>
+              <a:graphicData uri="http://schemas.microsoft.com/office/powerpoint/2016/slidezoom">
+                <pslz:sldZm>
+                  <pslz:sldZmObj sldId="260" cId="3929302904">
+                    <pslz:zmPr id="{B02EF6EC-F85D-4551-A06A-321960F591ED}" returnToParent="0" transitionDur="1000">
+                      <p166:blipFill xmlns:p166="http://schemas.microsoft.com/office/powerpoint/2016/6/main">
+                        <a:blip r:embed="rId4"/>
+                        <a:stretch>
+                          <a:fillRect/>
+                        </a:stretch>
+                      </p166:blipFill>
+                      <p166:spPr xmlns:p166="http://schemas.microsoft.com/office/powerpoint/2016/6/main">
+                        <a:xfrm>
+                          <a:off x="0" y="0"/>
+                          <a:ext cx="1639348" cy="922133"/>
+                        </a:xfrm>
+                        <a:prstGeom prst="rect">
+                          <a:avLst/>
+                        </a:prstGeom>
+                        <a:ln w="3175">
+                          <a:solidFill>
+                            <a:prstClr val="ltGray"/>
+                          </a:solidFill>
+                        </a:ln>
+                      </p166:spPr>
+                    </pslz:zmPr>
+                  </pslz:sldZmObj>
+                </pslz:sldZm>
+              </a:graphicData>
+            </a:graphic>
+          </p:graphicFrame>
+        </mc:Choice>
+        <mc:Fallback>
+          <p:pic>
+            <p:nvPicPr>
+              <p:cNvPr id="39" name="Zoom de Slide 38">
+                <a:hlinkClick r:id="rId5" action="ppaction://hlinksldjump"/>
+                <a:extLst>
+                  <a:ext uri="{FF2B5EF4-FFF2-40B4-BE49-F238E27FC236}">
+                    <a16:creationId xmlns:a16="http://schemas.microsoft.com/office/drawing/2014/main" id="{6B73EB61-00D2-62BC-7542-AA783813896E}"/>
+                  </a:ext>
+                </a:extLst>
+              </p:cNvPr>
+              <p:cNvPicPr>
+                <a:picLocks noGrp="1" noRot="1" noChangeAspect="1" noMove="1" noResize="1" noEditPoints="1" noAdjustHandles="1" noChangeArrowheads="1" noChangeShapeType="1"/>
+              </p:cNvPicPr>
+              <p:nvPr/>
+            </p:nvPicPr>
+            <p:blipFill>
+              <a:blip r:embed="rId4"/>
+              <a:stretch>
+                <a:fillRect/>
+              </a:stretch>
+            </p:blipFill>
+            <p:spPr>
+              <a:xfrm>
+                <a:off x="3077593" y="2936151"/>
+                <a:ext cx="1639348" cy="922133"/>
+              </a:xfrm>
+              <a:prstGeom prst="rect">
+                <a:avLst/>
+              </a:prstGeom>
+              <a:ln w="3175">
+                <a:solidFill>
+                  <a:prstClr val="ltGray"/>
+                </a:solidFill>
+              </a:ln>
+            </p:spPr>
+          </p:pic>
+        </mc:Fallback>
+      </mc:AlternateContent>
+      <mc:AlternateContent xmlns:mc="http://schemas.openxmlformats.org/markup-compatibility/2006">
+        <mc:Choice xmlns:pslz="http://schemas.microsoft.com/office/powerpoint/2016/slidezoom" Requires="pslz">
+          <p:graphicFrame>
+            <p:nvGraphicFramePr>
+              <p:cNvPr id="41" name="Zoom de Slide 40">
+                <a:extLst>
+                  <a:ext uri="{FF2B5EF4-FFF2-40B4-BE49-F238E27FC236}">
+                    <a16:creationId xmlns:a16="http://schemas.microsoft.com/office/drawing/2014/main" id="{82756BEB-1826-D7A6-C963-8153C4769DED}"/>
+                  </a:ext>
+                </a:extLst>
+              </p:cNvPr>
+              <p:cNvGraphicFramePr>
+                <a:graphicFrameLocks noChangeAspect="1"/>
+              </p:cNvGraphicFramePr>
+              <p:nvPr/>
+            </p:nvGraphicFramePr>
+            <p:xfrm>
+              <a:off x="5276326" y="2936151"/>
+              <a:ext cx="1639348" cy="922133"/>
+            </p:xfrm>
+            <a:graphic>
+              <a:graphicData uri="http://schemas.microsoft.com/office/powerpoint/2016/slidezoom">
+                <pslz:sldZm>
+                  <pslz:sldZmObj sldId="261" cId="3183252946">
+                    <pslz:zmPr id="{A8A44254-B7FE-43F9-B798-E853FC845F1D}" returnToParent="0" transitionDur="1000">
+                      <p166:blipFill xmlns:p166="http://schemas.microsoft.com/office/powerpoint/2016/6/main">
+                        <a:blip r:embed="rId6"/>
+                        <a:stretch>
+                          <a:fillRect/>
+                        </a:stretch>
+                      </p166:blipFill>
+                      <p166:spPr xmlns:p166="http://schemas.microsoft.com/office/powerpoint/2016/6/main">
+                        <a:xfrm>
+                          <a:off x="0" y="0"/>
+                          <a:ext cx="1639348" cy="922133"/>
+                        </a:xfrm>
+                        <a:prstGeom prst="rect">
+                          <a:avLst/>
+                        </a:prstGeom>
+                        <a:ln w="3175">
+                          <a:solidFill>
+                            <a:prstClr val="ltGray"/>
+                          </a:solidFill>
+                        </a:ln>
+                      </p166:spPr>
+                    </pslz:zmPr>
+                  </pslz:sldZmObj>
+                </pslz:sldZm>
+              </a:graphicData>
+            </a:graphic>
+          </p:graphicFrame>
+        </mc:Choice>
+        <mc:Fallback>
+          <p:pic>
+            <p:nvPicPr>
+              <p:cNvPr id="41" name="Zoom de Slide 40">
+                <a:hlinkClick r:id="rId7" action="ppaction://hlinksldjump"/>
+                <a:extLst>
+                  <a:ext uri="{FF2B5EF4-FFF2-40B4-BE49-F238E27FC236}">
+                    <a16:creationId xmlns:a16="http://schemas.microsoft.com/office/drawing/2014/main" id="{82756BEB-1826-D7A6-C963-8153C4769DED}"/>
+                  </a:ext>
+                </a:extLst>
+              </p:cNvPr>
+              <p:cNvPicPr>
+                <a:picLocks noGrp="1" noRot="1" noChangeAspect="1" noMove="1" noResize="1" noEditPoints="1" noAdjustHandles="1" noChangeArrowheads="1" noChangeShapeType="1"/>
+              </p:cNvPicPr>
+              <p:nvPr/>
+            </p:nvPicPr>
+            <p:blipFill>
+              <a:blip r:embed="rId6"/>
+              <a:stretch>
+                <a:fillRect/>
+              </a:stretch>
+            </p:blipFill>
+            <p:spPr>
+              <a:xfrm>
+                <a:off x="5276326" y="2936151"/>
+                <a:ext cx="1639348" cy="922133"/>
+              </a:xfrm>
+              <a:prstGeom prst="rect">
+                <a:avLst/>
+              </a:prstGeom>
+              <a:ln w="3175">
+                <a:solidFill>
+                  <a:prstClr val="ltGray"/>
+                </a:solidFill>
+              </a:ln>
+            </p:spPr>
+          </p:pic>
+        </mc:Fallback>
+      </mc:AlternateContent>
+      <mc:AlternateContent xmlns:mc="http://schemas.openxmlformats.org/markup-compatibility/2006">
+        <mc:Choice xmlns:pslz="http://schemas.microsoft.com/office/powerpoint/2016/slidezoom" Requires="pslz">
+          <p:graphicFrame>
+            <p:nvGraphicFramePr>
+              <p:cNvPr id="43" name="Zoom de Slide 42">
+                <a:extLst>
+                  <a:ext uri="{FF2B5EF4-FFF2-40B4-BE49-F238E27FC236}">
+                    <a16:creationId xmlns:a16="http://schemas.microsoft.com/office/drawing/2014/main" id="{64591411-FE46-4D29-B22A-6985DECCA770}"/>
+                  </a:ext>
+                </a:extLst>
+              </p:cNvPr>
+              <p:cNvGraphicFramePr>
+                <a:graphicFrameLocks noChangeAspect="1"/>
+              </p:cNvGraphicFramePr>
+              <p:nvPr/>
+            </p:nvGraphicFramePr>
+            <p:xfrm>
+              <a:off x="7532184" y="2978497"/>
+              <a:ext cx="1639348" cy="922133"/>
+            </p:xfrm>
+            <a:graphic>
+              <a:graphicData uri="http://schemas.microsoft.com/office/powerpoint/2016/slidezoom">
+                <pslz:sldZm>
+                  <pslz:sldZmObj sldId="262" cId="327670633">
+                    <pslz:zmPr id="{F6084EF9-4CF4-408A-8256-352F78D2DC52}" returnToParent="0" transitionDur="1000">
+                      <p166:blipFill xmlns:p166="http://schemas.microsoft.com/office/powerpoint/2016/6/main">
+                        <a:blip r:embed="rId8"/>
+                        <a:stretch>
+                          <a:fillRect/>
+                        </a:stretch>
+                      </p166:blipFill>
+                      <p166:spPr xmlns:p166="http://schemas.microsoft.com/office/powerpoint/2016/6/main">
+                        <a:xfrm>
+                          <a:off x="0" y="0"/>
+                          <a:ext cx="1639348" cy="922133"/>
+                        </a:xfrm>
+                        <a:prstGeom prst="rect">
+                          <a:avLst/>
+                        </a:prstGeom>
+                        <a:ln w="3175">
+                          <a:solidFill>
+                            <a:prstClr val="ltGray"/>
+                          </a:solidFill>
+                        </a:ln>
+                      </p166:spPr>
+                    </pslz:zmPr>
+                  </pslz:sldZmObj>
+                </pslz:sldZm>
+              </a:graphicData>
+            </a:graphic>
+          </p:graphicFrame>
+        </mc:Choice>
+        <mc:Fallback>
+          <p:pic>
+            <p:nvPicPr>
+              <p:cNvPr id="43" name="Zoom de Slide 42">
+                <a:hlinkClick r:id="rId9" action="ppaction://hlinksldjump"/>
+                <a:extLst>
+                  <a:ext uri="{FF2B5EF4-FFF2-40B4-BE49-F238E27FC236}">
+                    <a16:creationId xmlns:a16="http://schemas.microsoft.com/office/drawing/2014/main" id="{64591411-FE46-4D29-B22A-6985DECCA770}"/>
+                  </a:ext>
+                </a:extLst>
+              </p:cNvPr>
+              <p:cNvPicPr>
+                <a:picLocks noGrp="1" noRot="1" noChangeAspect="1" noMove="1" noResize="1" noEditPoints="1" noAdjustHandles="1" noChangeArrowheads="1" noChangeShapeType="1"/>
+              </p:cNvPicPr>
+              <p:nvPr/>
+            </p:nvPicPr>
+            <p:blipFill>
+              <a:blip r:embed="rId8"/>
+              <a:stretch>
+                <a:fillRect/>
+              </a:stretch>
+            </p:blipFill>
+            <p:spPr>
+              <a:xfrm>
+                <a:off x="7532184" y="2978497"/>
+                <a:ext cx="1639348" cy="922133"/>
+              </a:xfrm>
+              <a:prstGeom prst="rect">
+                <a:avLst/>
+              </a:prstGeom>
+              <a:ln w="3175">
+                <a:solidFill>
+                  <a:prstClr val="ltGray"/>
+                </a:solidFill>
+              </a:ln>
+            </p:spPr>
+          </p:pic>
+        </mc:Fallback>
+      </mc:AlternateContent>
+      <mc:AlternateContent xmlns:mc="http://schemas.openxmlformats.org/markup-compatibility/2006">
+        <mc:Choice xmlns:pslz="http://schemas.microsoft.com/office/powerpoint/2016/slidezoom" Requires="pslz">
+          <p:graphicFrame>
+            <p:nvGraphicFramePr>
+              <p:cNvPr id="45" name="Zoom de Slide 44">
+                <a:extLst>
+                  <a:ext uri="{FF2B5EF4-FFF2-40B4-BE49-F238E27FC236}">
+                    <a16:creationId xmlns:a16="http://schemas.microsoft.com/office/drawing/2014/main" id="{D68AAE82-4939-9B0D-896D-DA4D8130A8D0}"/>
+                  </a:ext>
+                </a:extLst>
+              </p:cNvPr>
+              <p:cNvGraphicFramePr>
+                <a:graphicFrameLocks noChangeAspect="1"/>
+              </p:cNvGraphicFramePr>
+              <p:nvPr/>
+            </p:nvGraphicFramePr>
+            <p:xfrm>
+              <a:off x="9694165" y="2978497"/>
+              <a:ext cx="1639348" cy="922133"/>
+            </p:xfrm>
+            <a:graphic>
+              <a:graphicData uri="http://schemas.microsoft.com/office/powerpoint/2016/slidezoom">
+                <pslz:sldZm>
+                  <pslz:sldZmObj sldId="263" cId="22241259">
+                    <pslz:zmPr id="{257429DB-113C-433B-9AAD-8B763079493D}" returnToParent="0" transitionDur="1000">
+                      <p166:blipFill xmlns:p166="http://schemas.microsoft.com/office/powerpoint/2016/6/main">
+                        <a:blip r:embed="rId10"/>
+                        <a:stretch>
+                          <a:fillRect/>
+                        </a:stretch>
+                      </p166:blipFill>
+                      <p166:spPr xmlns:p166="http://schemas.microsoft.com/office/powerpoint/2016/6/main">
+                        <a:xfrm>
+                          <a:off x="0" y="0"/>
+                          <a:ext cx="1639348" cy="922133"/>
+                        </a:xfrm>
+                        <a:prstGeom prst="rect">
+                          <a:avLst/>
+                        </a:prstGeom>
+                        <a:ln w="3175">
+                          <a:solidFill>
+                            <a:prstClr val="ltGray"/>
+                          </a:solidFill>
+                        </a:ln>
+                      </p166:spPr>
+                    </pslz:zmPr>
+                  </pslz:sldZmObj>
+                </pslz:sldZm>
+              </a:graphicData>
+            </a:graphic>
+          </p:graphicFrame>
+        </mc:Choice>
+        <mc:Fallback>
+          <p:pic>
+            <p:nvPicPr>
+              <p:cNvPr id="45" name="Zoom de Slide 44">
+                <a:hlinkClick r:id="rId11" action="ppaction://hlinksldjump"/>
+                <a:extLst>
+                  <a:ext uri="{FF2B5EF4-FFF2-40B4-BE49-F238E27FC236}">
+                    <a16:creationId xmlns:a16="http://schemas.microsoft.com/office/drawing/2014/main" id="{D68AAE82-4939-9B0D-896D-DA4D8130A8D0}"/>
+                  </a:ext>
+                </a:extLst>
+              </p:cNvPr>
+              <p:cNvPicPr>
+                <a:picLocks noGrp="1" noRot="1" noChangeAspect="1" noMove="1" noResize="1" noEditPoints="1" noAdjustHandles="1" noChangeArrowheads="1" noChangeShapeType="1"/>
+              </p:cNvPicPr>
+              <p:nvPr/>
+            </p:nvPicPr>
+            <p:blipFill>
+              <a:blip r:embed="rId10"/>
+              <a:stretch>
+                <a:fillRect/>
+              </a:stretch>
+            </p:blipFill>
+            <p:spPr>
+              <a:xfrm>
+                <a:off x="9694165" y="2978497"/>
+                <a:ext cx="1639348" cy="922133"/>
+              </a:xfrm>
+              <a:prstGeom prst="rect">
+                <a:avLst/>
+              </a:prstGeom>
+              <a:ln w="3175">
+                <a:solidFill>
+                  <a:prstClr val="ltGray"/>
+                </a:solidFill>
+              </a:ln>
+            </p:spPr>
+          </p:pic>
+        </mc:Fallback>
+      </mc:AlternateContent>
+      <p:pic>
+        <p:nvPicPr>
+          <p:cNvPr id="3" name="Picture 2" descr="Understanding Desired Business Outcomes and KPIs Is A Must - Middlesex ...">
+            <a:extLst>
+              <a:ext uri="{FF2B5EF4-FFF2-40B4-BE49-F238E27FC236}">
+                <a16:creationId xmlns:a16="http://schemas.microsoft.com/office/drawing/2014/main" id="{5B87A6E0-DFC2-8843-FB3C-4BBB88D49569}"/>
+              </a:ext>
+            </a:extLst>
+          </p:cNvPr>
+          <p:cNvPicPr>
+            <a:picLocks noChangeAspect="1" noChangeArrowheads="1"/>
+          </p:cNvPicPr>
+          <p:nvPr/>
+        </p:nvPicPr>
+        <p:blipFill rotWithShape="1">
+          <a:blip r:embed="rId12">
+            <a:extLst>
+              <a:ext uri="{28A0092B-C50C-407E-A947-70E740481C1C}">
+                <a14:useLocalDpi xmlns:a14="http://schemas.microsoft.com/office/drawing/2010/main" val="0"/>
+              </a:ext>
+            </a:extLst>
+          </a:blip>
+          <a:srcRect b="50000"/>
+          <a:stretch/>
+        </p:blipFill>
+        <p:spPr bwMode="auto">
+          <a:xfrm>
+            <a:off x="-130629" y="-1268870"/>
+            <a:ext cx="12453258" cy="3735976"/>
+          </a:xfrm>
+          <a:prstGeom prst="rect">
+            <a:avLst/>
+          </a:prstGeom>
+          <a:noFill/>
+          <a:extLst>
+            <a:ext uri="{909E8E84-426E-40DD-AFC4-6F175D3DCCD1}">
+              <a14:hiddenFill xmlns:a14="http://schemas.microsoft.com/office/drawing/2010/main">
+                <a:solidFill>
+                  <a:srgbClr val="FFFFFF"/>
+                </a:solidFill>
+              </a14:hiddenFill>
+            </a:ext>
+          </a:extLst>
+        </p:spPr>
+      </p:pic>
+      <p:pic>
+        <p:nvPicPr>
+          <p:cNvPr id="4" name="Picture 2" descr="Understanding Desired Business Outcomes and KPIs Is A Must - Middlesex ...">
+            <a:extLst>
+              <a:ext uri="{FF2B5EF4-FFF2-40B4-BE49-F238E27FC236}">
+                <a16:creationId xmlns:a16="http://schemas.microsoft.com/office/drawing/2014/main" id="{5312281E-5B73-04D3-A19F-18641290DC23}"/>
+              </a:ext>
+            </a:extLst>
+          </p:cNvPr>
+          <p:cNvPicPr>
+            <a:picLocks noChangeAspect="1" noChangeArrowheads="1"/>
+          </p:cNvPicPr>
+          <p:nvPr/>
+        </p:nvPicPr>
+        <p:blipFill rotWithShape="1">
+          <a:blip r:embed="rId12">
+            <a:extLst>
+              <a:ext uri="{28A0092B-C50C-407E-A947-70E740481C1C}">
+                <a14:useLocalDpi xmlns:a14="http://schemas.microsoft.com/office/drawing/2010/main" val="0"/>
+              </a:ext>
+            </a:extLst>
+          </a:blip>
+          <a:srcRect t="50000"/>
+          <a:stretch/>
+        </p:blipFill>
+        <p:spPr bwMode="auto">
+          <a:xfrm>
+            <a:off x="-130629" y="4401457"/>
+            <a:ext cx="12453258" cy="3735977"/>
+          </a:xfrm>
+          <a:prstGeom prst="rect">
+            <a:avLst/>
+          </a:prstGeom>
+          <a:noFill/>
+          <a:extLst>
+            <a:ext uri="{909E8E84-426E-40DD-AFC4-6F175D3DCCD1}">
+              <a14:hiddenFill xmlns:a14="http://schemas.microsoft.com/office/drawing/2010/main">
+                <a:solidFill>
+                  <a:srgbClr val="FFFFFF"/>
+                </a:solidFill>
+              </a14:hiddenFill>
+            </a:ext>
+          </a:extLst>
+        </p:spPr>
+      </p:pic>
+    </p:spTree>
+    <p:extLst>
+      <p:ext uri="{BB962C8B-B14F-4D97-AF65-F5344CB8AC3E}">
+        <p14:creationId xmlns:p14="http://schemas.microsoft.com/office/powerpoint/2010/main" val="1442971662"/>
+      </p:ext>
+    </p:extLst>
+  </p:cSld>
+  <p:clrMapOvr>
+    <a:masterClrMapping/>
+  </p:clrMapOvr>
+</p:sld>
+</file>
+
+<file path=ppt/slides/slide12.xml><?xml version="1.0" encoding="utf-8"?>
+<p:sld xmlns:a="http://schemas.openxmlformats.org/drawingml/2006/main" xmlns:r="http://schemas.openxmlformats.org/officeDocument/2006/relationships" xmlns:p="http://schemas.openxmlformats.org/presentationml/2006/main">
+  <p:cSld>
+    <p:spTree>
+      <p:nvGrpSpPr>
+        <p:cNvPr id="1" name=""/>
+        <p:cNvGrpSpPr/>
+        <p:nvPr/>
+      </p:nvGrpSpPr>
+      <p:grpSpPr>
+        <a:xfrm>
+          <a:off x="0" y="0"/>
+          <a:ext cx="0" cy="0"/>
+          <a:chOff x="0" y="0"/>
+          <a:chExt cx="0" cy="0"/>
+        </a:xfrm>
+      </p:grpSpPr>
+      <p:pic>
+        <p:nvPicPr>
+          <p:cNvPr id="3" name="Picture 2" descr="Understanding Desired Business Outcomes and KPIs Is A Must - Middlesex ...">
+            <a:extLst>
+              <a:ext uri="{FF2B5EF4-FFF2-40B4-BE49-F238E27FC236}">
+                <a16:creationId xmlns:a16="http://schemas.microsoft.com/office/drawing/2014/main" id="{4F526880-FDF2-3028-009D-506F733AF18B}"/>
+              </a:ext>
+            </a:extLst>
+          </p:cNvPr>
+          <p:cNvPicPr>
+            <a:picLocks noChangeAspect="1" noChangeArrowheads="1"/>
+          </p:cNvPicPr>
+          <p:nvPr/>
+        </p:nvPicPr>
+        <p:blipFill rotWithShape="1">
+          <a:blip r:embed="rId2">
+            <a:extLst>
+              <a:ext uri="{28A0092B-C50C-407E-A947-70E740481C1C}">
+                <a14:useLocalDpi xmlns:a14="http://schemas.microsoft.com/office/drawing/2010/main" val="0"/>
+              </a:ext>
+            </a:extLst>
+          </a:blip>
+          <a:srcRect b="50000"/>
+          <a:stretch/>
+        </p:blipFill>
+        <p:spPr bwMode="auto">
+          <a:xfrm>
+            <a:off x="-130629" y="-306977"/>
+            <a:ext cx="12453258" cy="3735976"/>
+          </a:xfrm>
+          <a:prstGeom prst="rect">
+            <a:avLst/>
+          </a:prstGeom>
+          <a:noFill/>
+          <a:extLst>
+            <a:ext uri="{909E8E84-426E-40DD-AFC4-6F175D3DCCD1}">
+              <a14:hiddenFill xmlns:a14="http://schemas.microsoft.com/office/drawing/2010/main">
+                <a:solidFill>
+                  <a:srgbClr val="FFFFFF"/>
+                </a:solidFill>
+              </a14:hiddenFill>
+            </a:ext>
+          </a:extLst>
+        </p:spPr>
+      </p:pic>
+      <p:pic>
+        <p:nvPicPr>
+          <p:cNvPr id="4" name="Picture 2" descr="Understanding Desired Business Outcomes and KPIs Is A Must - Middlesex ...">
+            <a:extLst>
+              <a:ext uri="{FF2B5EF4-FFF2-40B4-BE49-F238E27FC236}">
+                <a16:creationId xmlns:a16="http://schemas.microsoft.com/office/drawing/2014/main" id="{27BC1773-627D-279C-100F-839C958B6D4E}"/>
+              </a:ext>
+            </a:extLst>
+          </p:cNvPr>
+          <p:cNvPicPr>
+            <a:picLocks noChangeAspect="1" noChangeArrowheads="1"/>
+          </p:cNvPicPr>
+          <p:nvPr/>
+        </p:nvPicPr>
+        <p:blipFill rotWithShape="1">
+          <a:blip r:embed="rId2">
+            <a:extLst>
+              <a:ext uri="{28A0092B-C50C-407E-A947-70E740481C1C}">
+                <a14:useLocalDpi xmlns:a14="http://schemas.microsoft.com/office/drawing/2010/main" val="0"/>
+              </a:ext>
+            </a:extLst>
+          </a:blip>
+          <a:srcRect t="50000"/>
+          <a:stretch/>
+        </p:blipFill>
+        <p:spPr bwMode="auto">
+          <a:xfrm>
+            <a:off x="-130629" y="3428999"/>
+            <a:ext cx="12453258" cy="3735977"/>
+          </a:xfrm>
+          <a:prstGeom prst="rect">
+            <a:avLst/>
+          </a:prstGeom>
+          <a:noFill/>
+          <a:extLst>
+            <a:ext uri="{909E8E84-426E-40DD-AFC4-6F175D3DCCD1}">
+              <a14:hiddenFill xmlns:a14="http://schemas.microsoft.com/office/drawing/2010/main">
+                <a:solidFill>
+                  <a:srgbClr val="FFFFFF"/>
+                </a:solidFill>
+              </a14:hiddenFill>
+            </a:ext>
+          </a:extLst>
+        </p:spPr>
+      </p:pic>
+    </p:spTree>
+    <p:extLst>
+      <p:ext uri="{BB962C8B-B14F-4D97-AF65-F5344CB8AC3E}">
+        <p14:creationId xmlns:p14="http://schemas.microsoft.com/office/powerpoint/2010/main" val="4064180225"/>
+      </p:ext>
+    </p:extLst>
+  </p:cSld>
+  <p:clrMapOvr>
+    <a:masterClrMapping/>
+  </p:clrMapOvr>
+  <mc:AlternateContent xmlns:mc="http://schemas.openxmlformats.org/markup-compatibility/2006">
+    <mc:Choice xmlns:p159="http://schemas.microsoft.com/office/powerpoint/2015/09/main" Requires="p159">
+      <p:transition xmlns:p14="http://schemas.microsoft.com/office/powerpoint/2010/main" spd="slow" p14:dur="2000">
+        <p159:morph option="byObject"/>
+      </p:transition>
+    </mc:Choice>
+    <mc:Fallback>
+      <p:transition spd="slow">
+        <p:fade/>
+      </p:transition>
+    </mc:Fallback>
+  </mc:AlternateContent>
+</p:sld>
+</file>
+
+<file path=ppt/slides/slide13.xml><?xml version="1.0" encoding="utf-8"?>
+<p:sld xmlns:a="http://schemas.openxmlformats.org/drawingml/2006/main" xmlns:r="http://schemas.openxmlformats.org/officeDocument/2006/relationships" xmlns:p="http://schemas.openxmlformats.org/presentationml/2006/main">
+  <p:cSld>
+    <p:spTree>
+      <p:nvGrpSpPr>
+        <p:cNvPr id="1" name=""/>
+        <p:cNvGrpSpPr/>
+        <p:nvPr/>
+      </p:nvGrpSpPr>
+      <p:grpSpPr>
+        <a:xfrm>
+          <a:off x="0" y="0"/>
+          <a:ext cx="0" cy="0"/>
+          <a:chOff x="0" y="0"/>
+          <a:chExt cx="0" cy="0"/>
+        </a:xfrm>
+      </p:grpSpPr>
+      <p:sp>
+        <p:nvSpPr>
+          <p:cNvPr id="2" name="Retângulo: Cantos Arredondados 1">
+            <a:extLst>
+              <a:ext uri="{FF2B5EF4-FFF2-40B4-BE49-F238E27FC236}">
+                <a16:creationId xmlns:a16="http://schemas.microsoft.com/office/drawing/2014/main" id="{7530B101-4FD6-43D7-8D3B-423D11E542AA}"/>
+              </a:ext>
+            </a:extLst>
+          </p:cNvPr>
+          <p:cNvSpPr/>
+          <p:nvPr/>
+        </p:nvSpPr>
+        <p:spPr>
+          <a:xfrm>
+            <a:off x="941034" y="630315"/>
+            <a:ext cx="4625266" cy="852256"/>
+          </a:xfrm>
+          <a:prstGeom prst="roundRect">
+            <a:avLst/>
+          </a:prstGeom>
+          <a:solidFill>
+            <a:schemeClr val="accent6"/>
+          </a:solidFill>
+          <a:ln>
+            <a:noFill/>
+          </a:ln>
+        </p:spPr>
+        <p:style>
+          <a:lnRef idx="2">
+            <a:schemeClr val="accent1">
+              <a:shade val="15000"/>
+            </a:schemeClr>
+          </a:lnRef>
+          <a:fillRef idx="1">
+            <a:schemeClr val="accent1"/>
+          </a:fillRef>
+          <a:effectRef idx="0">
+            <a:schemeClr val="accent1"/>
+          </a:effectRef>
+          <a:fontRef idx="minor">
+            <a:schemeClr val="lt1"/>
+          </a:fontRef>
+        </p:style>
+        <p:txBody>
+          <a:bodyPr rtlCol="0" anchor="ctr"/>
+          <a:lstStyle/>
+          <a:p>
+            <a:pPr algn="ctr"/>
+            <a:r>
+              <a:rPr lang="pt-BR" sz="2800" b="1" i="0" dirty="0">
+                <a:effectLst/>
+                <a:latin typeface="Söhne"/>
+              </a:rPr>
+              <a:t>Termo de Abertura de Projetos</a:t>
+            </a:r>
+          </a:p>
+        </p:txBody>
+      </p:sp>
+      <p:sp>
+        <p:nvSpPr>
+          <p:cNvPr id="4" name="CaixaDeTexto 3">
+            <a:extLst>
+              <a:ext uri="{FF2B5EF4-FFF2-40B4-BE49-F238E27FC236}">
+                <a16:creationId xmlns:a16="http://schemas.microsoft.com/office/drawing/2014/main" id="{9AD37E33-CA22-3625-36CF-43824E3C4B1B}"/>
+              </a:ext>
+            </a:extLst>
+          </p:cNvPr>
+          <p:cNvSpPr txBox="1"/>
+          <p:nvPr/>
+        </p:nvSpPr>
+        <p:spPr>
+          <a:xfrm rot="1463264">
+            <a:off x="5903471" y="2314206"/>
+            <a:ext cx="3471655" cy="1569660"/>
+          </a:xfrm>
+          <a:prstGeom prst="rect">
+            <a:avLst/>
+          </a:prstGeom>
+          <a:noFill/>
+        </p:spPr>
+        <p:txBody>
+          <a:bodyPr wrap="square" rtlCol="0">
+            <a:spAutoFit/>
+          </a:bodyPr>
+          <a:lstStyle/>
+          <a:p>
+            <a:pPr algn="ctr"/>
+            <a:r>
+              <a:rPr lang="pt-BR" sz="3200" dirty="0">
+                <a:latin typeface="Gill Sans ExtraBoldDisplay" panose="020B0400000000000000" pitchFamily="34" charset="0"/>
+              </a:rPr>
+              <a:t>Bora praticar!? Vamos criar nosso TAP!</a:t>
+            </a:r>
+          </a:p>
+        </p:txBody>
+      </p:sp>
+      <p:pic>
+        <p:nvPicPr>
+          <p:cNvPr id="10" name="Imagem 9" descr="Imagem em preto e branco&#10;&#10;Descrição gerada automaticamente">
+            <a:extLst>
+              <a:ext uri="{FF2B5EF4-FFF2-40B4-BE49-F238E27FC236}">
+                <a16:creationId xmlns:a16="http://schemas.microsoft.com/office/drawing/2014/main" id="{2891D6A5-A67C-D8AC-7D11-4B75C6141545}"/>
+              </a:ext>
+            </a:extLst>
+          </p:cNvPr>
+          <p:cNvPicPr>
+            <a:picLocks noChangeAspect="1"/>
+          </p:cNvPicPr>
+          <p:nvPr/>
+        </p:nvPicPr>
+        <p:blipFill>
+          <a:blip r:embed="rId2">
+            <a:extLst>
+              <a:ext uri="{28A0092B-C50C-407E-A947-70E740481C1C}">
+                <a14:useLocalDpi xmlns:a14="http://schemas.microsoft.com/office/drawing/2010/main" val="0"/>
+              </a:ext>
+            </a:extLst>
+          </a:blip>
+          <a:stretch>
+            <a:fillRect/>
+          </a:stretch>
+        </p:blipFill>
+        <p:spPr>
+          <a:xfrm>
+            <a:off x="1245833" y="1482571"/>
+            <a:ext cx="6096012" cy="6096012"/>
+          </a:xfrm>
+          <a:prstGeom prst="rect">
+            <a:avLst/>
+          </a:prstGeom>
+        </p:spPr>
+      </p:pic>
+    </p:spTree>
+    <p:extLst>
+      <p:ext uri="{BB962C8B-B14F-4D97-AF65-F5344CB8AC3E}">
+        <p14:creationId xmlns:p14="http://schemas.microsoft.com/office/powerpoint/2010/main" val="3651973683"/>
+      </p:ext>
+    </p:extLst>
+  </p:cSld>
+  <p:clrMapOvr>
+    <a:masterClrMapping/>
+  </p:clrMapOvr>
+</p:sld>
+</file>
+
+<file path=ppt/slides/slide14.xml><?xml version="1.0" encoding="utf-8"?>
+<p:sld xmlns:a="http://schemas.openxmlformats.org/drawingml/2006/main" xmlns:r="http://schemas.openxmlformats.org/officeDocument/2006/relationships" xmlns:p="http://schemas.openxmlformats.org/presentationml/2006/main">
+  <p:cSld>
+    <p:spTree>
+      <p:nvGrpSpPr>
+        <p:cNvPr id="1" name=""/>
+        <p:cNvGrpSpPr/>
+        <p:nvPr/>
+      </p:nvGrpSpPr>
+      <p:grpSpPr>
+        <a:xfrm>
+          <a:off x="0" y="0"/>
+          <a:ext cx="0" cy="0"/>
+          <a:chOff x="0" y="0"/>
+          <a:chExt cx="0" cy="0"/>
+        </a:xfrm>
+      </p:grpSpPr>
+      <p:sp>
+        <p:nvSpPr>
+          <p:cNvPr id="2" name="Retângulo: Cantos Arredondados 1">
+            <a:extLst>
+              <a:ext uri="{FF2B5EF4-FFF2-40B4-BE49-F238E27FC236}">
+                <a16:creationId xmlns:a16="http://schemas.microsoft.com/office/drawing/2014/main" id="{7530B101-4FD6-43D7-8D3B-423D11E542AA}"/>
+              </a:ext>
+            </a:extLst>
+          </p:cNvPr>
+          <p:cNvSpPr/>
+          <p:nvPr/>
+        </p:nvSpPr>
+        <p:spPr>
+          <a:xfrm>
+            <a:off x="941034" y="630315"/>
+            <a:ext cx="4625266" cy="852256"/>
+          </a:xfrm>
+          <a:prstGeom prst="roundRect">
+            <a:avLst/>
+          </a:prstGeom>
+          <a:solidFill>
+            <a:schemeClr val="accent6"/>
+          </a:solidFill>
+          <a:ln>
+            <a:noFill/>
+          </a:ln>
+        </p:spPr>
+        <p:style>
+          <a:lnRef idx="2">
+            <a:schemeClr val="accent1">
+              <a:shade val="15000"/>
+            </a:schemeClr>
+          </a:lnRef>
+          <a:fillRef idx="1">
+            <a:schemeClr val="accent1"/>
+          </a:fillRef>
+          <a:effectRef idx="0">
+            <a:schemeClr val="accent1"/>
+          </a:effectRef>
+          <a:fontRef idx="minor">
+            <a:schemeClr val="lt1"/>
+          </a:fontRef>
+        </p:style>
+        <p:txBody>
+          <a:bodyPr rtlCol="0" anchor="ctr"/>
+          <a:lstStyle/>
+          <a:p>
+            <a:pPr algn="ctr"/>
+            <a:r>
+              <a:rPr lang="pt-BR" sz="2800" b="1" i="0" dirty="0">
+                <a:effectLst/>
+                <a:latin typeface="Söhne"/>
+              </a:rPr>
+              <a:t>Exemplos</a:t>
+            </a:r>
+          </a:p>
+        </p:txBody>
+      </p:sp>
+      <p:pic>
+        <p:nvPicPr>
+          <p:cNvPr id="10" name="Imagem 9" descr="Imagem em preto e branco&#10;&#10;Descrição gerada automaticamente">
+            <a:extLst>
+              <a:ext uri="{FF2B5EF4-FFF2-40B4-BE49-F238E27FC236}">
+                <a16:creationId xmlns:a16="http://schemas.microsoft.com/office/drawing/2014/main" id="{2891D6A5-A67C-D8AC-7D11-4B75C6141545}"/>
+              </a:ext>
+            </a:extLst>
+          </p:cNvPr>
+          <p:cNvPicPr>
+            <a:picLocks noChangeAspect="1"/>
+          </p:cNvPicPr>
+          <p:nvPr/>
+        </p:nvPicPr>
+        <p:blipFill>
+          <a:blip r:embed="rId2">
+            <a:extLst>
+              <a:ext uri="{28A0092B-C50C-407E-A947-70E740481C1C}">
+                <a14:useLocalDpi xmlns:a14="http://schemas.microsoft.com/office/drawing/2010/main" val="0"/>
+              </a:ext>
+            </a:extLst>
+          </a:blip>
+          <a:stretch>
+            <a:fillRect/>
+          </a:stretch>
+        </p:blipFill>
+        <p:spPr>
+          <a:xfrm>
+            <a:off x="-1236110" y="1482571"/>
+            <a:ext cx="6096012" cy="6096012"/>
+          </a:xfrm>
+          <a:prstGeom prst="rect">
+            <a:avLst/>
+          </a:prstGeom>
+        </p:spPr>
+      </p:pic>
+      <p:graphicFrame>
+        <p:nvGraphicFramePr>
+          <p:cNvPr id="7" name="Tabela 6">
+            <a:extLst>
+              <a:ext uri="{FF2B5EF4-FFF2-40B4-BE49-F238E27FC236}">
+                <a16:creationId xmlns:a16="http://schemas.microsoft.com/office/drawing/2014/main" id="{D097446A-7DE0-F372-C22D-1B38ADAEE4EA}"/>
+              </a:ext>
+            </a:extLst>
+          </p:cNvPr>
+          <p:cNvGraphicFramePr>
+            <a:graphicFrameLocks noGrp="1"/>
+          </p:cNvGraphicFramePr>
+          <p:nvPr>
+            <p:extLst>
+              <p:ext uri="{D42A27DB-BD31-4B8C-83A1-F6EECF244321}">
+                <p14:modId xmlns:p14="http://schemas.microsoft.com/office/powerpoint/2010/main" val="3081683688"/>
+              </p:ext>
+            </p:extLst>
+          </p:nvPr>
+        </p:nvGraphicFramePr>
+        <p:xfrm>
+          <a:off x="3947958" y="1555141"/>
+          <a:ext cx="7590972" cy="5199744"/>
+        </p:xfrm>
+        <a:graphic>
+          <a:graphicData uri="http://schemas.openxmlformats.org/drawingml/2006/table">
+            <a:tbl>
+              <a:tblPr firstRow="1" bandRow="1">
+                <a:tableStyleId>{5C22544A-7EE6-4342-B048-85BDC9FD1C3A}</a:tableStyleId>
+              </a:tblPr>
+              <a:tblGrid>
+                <a:gridCol w="3795486">
+                  <a:extLst>
+                    <a:ext uri="{9D8B030D-6E8A-4147-A177-3AD203B41FA5}">
+                      <a16:colId xmlns:a16="http://schemas.microsoft.com/office/drawing/2014/main" val="2455333275"/>
+                    </a:ext>
+                  </a:extLst>
+                </a:gridCol>
+                <a:gridCol w="3795486">
+                  <a:extLst>
+                    <a:ext uri="{9D8B030D-6E8A-4147-A177-3AD203B41FA5}">
+                      <a16:colId xmlns:a16="http://schemas.microsoft.com/office/drawing/2014/main" val="3293631791"/>
+                    </a:ext>
+                  </a:extLst>
+                </a:gridCol>
+              </a:tblGrid>
+              <a:tr h="536304">
+                <a:tc>
+                  <a:txBody>
+                    <a:bodyPr/>
+                    <a:lstStyle/>
+                    <a:p>
+                      <a:pPr algn="ctr"/>
+                      <a:r>
+                        <a:rPr lang="pt-BR" dirty="0"/>
+                        <a:t>Objetivo do Projeto</a:t>
+                      </a:r>
+                    </a:p>
+                  </a:txBody>
+                  <a:tcPr anchor="ctr"/>
+                </a:tc>
+                <a:tc>
+                  <a:txBody>
+                    <a:bodyPr/>
+                    <a:lstStyle/>
+                    <a:p>
+                      <a:pPr algn="ctr"/>
+                      <a:r>
+                        <a:rPr lang="pt-BR" dirty="0"/>
+                        <a:t>Objetivo SMART</a:t>
+                      </a:r>
+                    </a:p>
+                  </a:txBody>
+                  <a:tcPr anchor="ctr"/>
+                </a:tc>
+                <a:extLst>
+                  <a:ext uri="{0D108BD9-81ED-4DB2-BD59-A6C34878D82A}">
+                    <a16:rowId xmlns:a16="http://schemas.microsoft.com/office/drawing/2014/main" val="8948631"/>
+                  </a:ext>
+                </a:extLst>
+              </a:tr>
+              <a:tr h="1070512">
+                <a:tc>
+                  <a:txBody>
+                    <a:bodyPr/>
+                    <a:lstStyle/>
+                    <a:p>
+                      <a:pPr algn="ctr"/>
+                      <a:r>
+                        <a:rPr lang="pt-BR" dirty="0"/>
+                        <a:t>Perder peso.</a:t>
+                      </a:r>
+                    </a:p>
+                  </a:txBody>
+                  <a:tcPr anchor="ctr"/>
+                </a:tc>
+                <a:tc>
+                  <a:txBody>
+                    <a:bodyPr/>
+                    <a:lstStyle/>
+                    <a:p>
+                      <a:r>
+                        <a:rPr lang="pt-BR" dirty="0"/>
+                        <a:t>Perder </a:t>
+                      </a:r>
+                      <a:r>
+                        <a:rPr lang="pt-BR" b="1" dirty="0"/>
+                        <a:t>30 quilos </a:t>
+                      </a:r>
+                      <a:r>
+                        <a:rPr lang="pt-BR" dirty="0"/>
+                        <a:t>dentro de </a:t>
+                      </a:r>
+                      <a:r>
+                        <a:rPr lang="pt-BR" b="1" dirty="0"/>
+                        <a:t>90 dias</a:t>
+                      </a:r>
+                      <a:r>
+                        <a:rPr lang="pt-BR" dirty="0"/>
+                        <a:t>, </a:t>
+                      </a:r>
+                      <a:r>
+                        <a:rPr lang="pt-BR" b="1" dirty="0"/>
+                        <a:t>através da </a:t>
+                      </a:r>
+                      <a:r>
+                        <a:rPr lang="pt-BR" dirty="0"/>
+                        <a:t>realização de um regime forte e seguindo um programa diário de atividades físicas.</a:t>
+                      </a:r>
+                    </a:p>
+                  </a:txBody>
+                  <a:tcPr/>
+                </a:tc>
+                <a:extLst>
+                  <a:ext uri="{0D108BD9-81ED-4DB2-BD59-A6C34878D82A}">
+                    <a16:rowId xmlns:a16="http://schemas.microsoft.com/office/drawing/2014/main" val="271669413"/>
+                  </a:ext>
+                </a:extLst>
+              </a:tr>
+              <a:tr h="1070512">
+                <a:tc>
+                  <a:txBody>
+                    <a:bodyPr/>
+                    <a:lstStyle/>
+                    <a:p>
+                      <a:pPr algn="ctr"/>
+                      <a:r>
+                        <a:rPr lang="pt-BR" dirty="0"/>
+                        <a:t>Reduzir custos com horas extras na minha empresa.</a:t>
+                      </a:r>
+                    </a:p>
+                  </a:txBody>
+                  <a:tcPr anchor="ctr"/>
+                </a:tc>
+                <a:tc>
+                  <a:txBody>
+                    <a:bodyPr/>
+                    <a:lstStyle/>
+                    <a:p>
+                      <a:r>
+                        <a:rPr lang="pt-BR" dirty="0"/>
+                        <a:t>Dentro de </a:t>
+                      </a:r>
+                      <a:r>
+                        <a:rPr lang="pt-BR" b="1" dirty="0"/>
+                        <a:t>6 meses</a:t>
+                      </a:r>
+                      <a:r>
+                        <a:rPr lang="pt-BR" dirty="0"/>
+                        <a:t>, reduzir em </a:t>
+                      </a:r>
+                      <a:r>
+                        <a:rPr lang="pt-BR" b="1" dirty="0"/>
+                        <a:t>50% </a:t>
+                      </a:r>
+                      <a:r>
+                        <a:rPr lang="pt-BR" dirty="0"/>
+                        <a:t>as horas extras realizadas na minha empresa </a:t>
+                      </a:r>
+                      <a:r>
+                        <a:rPr lang="pt-BR" b="1" dirty="0"/>
+                        <a:t>através de </a:t>
+                      </a:r>
+                      <a:r>
+                        <a:rPr lang="pt-BR" dirty="0"/>
+                        <a:t>ações de melhoria realizadas por um consultor em planejamento.</a:t>
+                      </a:r>
+                    </a:p>
+                  </a:txBody>
+                  <a:tcPr/>
+                </a:tc>
+                <a:extLst>
+                  <a:ext uri="{0D108BD9-81ED-4DB2-BD59-A6C34878D82A}">
+                    <a16:rowId xmlns:a16="http://schemas.microsoft.com/office/drawing/2014/main" val="3437844011"/>
+                  </a:ext>
+                </a:extLst>
+              </a:tr>
+              <a:tr h="1070512">
+                <a:tc>
+                  <a:txBody>
+                    <a:bodyPr/>
+                    <a:lstStyle/>
+                    <a:p>
+                      <a:pPr algn="ctr"/>
+                      <a:r>
+                        <a:rPr lang="pt-BR" dirty="0"/>
+                        <a:t>Motivar mais a minha equipe.</a:t>
+                      </a:r>
+                    </a:p>
+                  </a:txBody>
+                  <a:tcPr anchor="ctr"/>
+                </a:tc>
+                <a:tc>
+                  <a:txBody>
+                    <a:bodyPr/>
+                    <a:lstStyle/>
+                    <a:p>
+                      <a:r>
+                        <a:rPr lang="pt-BR" b="1" dirty="0"/>
+                        <a:t>Aumentar em 30% </a:t>
+                      </a:r>
+                      <a:r>
+                        <a:rPr lang="pt-BR" dirty="0"/>
+                        <a:t>o nível de motivação da minha equipe dentro de </a:t>
+                      </a:r>
+                      <a:r>
+                        <a:rPr lang="pt-BR" b="1" dirty="0"/>
+                        <a:t>6 meses</a:t>
+                      </a:r>
+                      <a:r>
+                        <a:rPr lang="pt-BR" dirty="0"/>
+                        <a:t>, </a:t>
+                      </a:r>
+                      <a:r>
+                        <a:rPr lang="pt-BR" b="1" dirty="0"/>
+                        <a:t>através da</a:t>
+                      </a:r>
+                      <a:r>
+                        <a:rPr lang="pt-BR" dirty="0"/>
+                        <a:t> implantação de novas dinâmicas de lazer e programas esportivos envolvendo a equipe.</a:t>
+                      </a:r>
+                    </a:p>
+                  </a:txBody>
+                  <a:tcPr/>
+                </a:tc>
+                <a:extLst>
+                  <a:ext uri="{0D108BD9-81ED-4DB2-BD59-A6C34878D82A}">
+                    <a16:rowId xmlns:a16="http://schemas.microsoft.com/office/drawing/2014/main" val="4286186904"/>
+                  </a:ext>
+                </a:extLst>
+              </a:tr>
+            </a:tbl>
+          </a:graphicData>
+        </a:graphic>
+      </p:graphicFrame>
+    </p:spTree>
+    <p:extLst>
+      <p:ext uri="{BB962C8B-B14F-4D97-AF65-F5344CB8AC3E}">
+        <p14:creationId xmlns:p14="http://schemas.microsoft.com/office/powerpoint/2010/main" val="1407629548"/>
+      </p:ext>
+    </p:extLst>
+  </p:cSld>
+  <p:clrMapOvr>
+    <a:masterClrMapping/>
+  </p:clrMapOvr>
+</p:sld>
+</file>
+
 <file path=ppt/slides/slide2.xml><?xml version="1.0" encoding="utf-8"?>
 <p:sld xmlns:a="http://schemas.openxmlformats.org/drawingml/2006/main" xmlns:r="http://schemas.openxmlformats.org/officeDocument/2006/relationships" xmlns:p="http://schemas.openxmlformats.org/presentationml/2006/main">
   <p:cSld>
@@ -4087,120 +5536,134 @@
       </p:grpSpPr>
       <p:sp>
         <p:nvSpPr>
-          <p:cNvPr id="2" name="Título 1">
-            <a:extLst>
-              <a:ext uri="{FF2B5EF4-FFF2-40B4-BE49-F238E27FC236}">
-                <a16:creationId xmlns:a16="http://schemas.microsoft.com/office/drawing/2014/main" id="{9607353C-C075-7C4B-E676-445D5D3CDB69}"/>
-              </a:ext>
-            </a:extLst>
-          </p:cNvPr>
-          <p:cNvSpPr>
-            <a:spLocks noGrp="1"/>
-          </p:cNvSpPr>
-          <p:nvPr>
-            <p:ph type="title"/>
-          </p:nvPr>
-        </p:nvSpPr>
-        <p:spPr/>
-        <p:txBody>
-          <a:bodyPr/>
-          <a:lstStyle/>
-          <a:p>
-            <a:r>
-              <a:rPr lang="pt-BR" dirty="0"/>
-              <a:t>Desafio Marshmallow</a:t>
-            </a:r>
-          </a:p>
-        </p:txBody>
-      </p:sp>
-      <p:sp>
-        <p:nvSpPr>
-          <p:cNvPr id="3" name="Espaço Reservado para Conteúdo 2">
-            <a:extLst>
-              <a:ext uri="{FF2B5EF4-FFF2-40B4-BE49-F238E27FC236}">
-                <a16:creationId xmlns:a16="http://schemas.microsoft.com/office/drawing/2014/main" id="{A09C5080-19D3-AFCA-7497-9F20105D27B2}"/>
-              </a:ext>
-            </a:extLst>
-          </p:cNvPr>
-          <p:cNvSpPr>
-            <a:spLocks noGrp="1"/>
-          </p:cNvSpPr>
-          <p:nvPr>
-            <p:ph idx="1"/>
-          </p:nvPr>
-        </p:nvSpPr>
-        <p:spPr/>
-        <p:txBody>
-          <a:bodyPr>
-            <a:normAutofit/>
-          </a:bodyPr>
-          <a:lstStyle/>
-          <a:p>
-            <a:r>
-              <a:rPr lang="pt-BR" sz="2800" dirty="0"/>
-              <a:t>Grupos de 4 a 5 participantes;</a:t>
-            </a:r>
-          </a:p>
-          <a:p>
-            <a:r>
-              <a:rPr lang="pt-BR" sz="2800" dirty="0"/>
-              <a:t>Criar uma estrutura livre que suporte o marshmallow no topo;</a:t>
-            </a:r>
-          </a:p>
-          <a:p>
-            <a:r>
-              <a:rPr lang="pt-BR" sz="2800" dirty="0"/>
-              <a:t>Duração: Esta aula;</a:t>
-            </a:r>
-          </a:p>
-          <a:p>
-            <a:r>
-              <a:rPr lang="pt-BR" sz="2800" dirty="0"/>
-              <a:t>A estrutura mais alta vence;</a:t>
-            </a:r>
-          </a:p>
-        </p:txBody>
-      </p:sp>
-      <p:pic>
-        <p:nvPicPr>
-          <p:cNvPr id="5" name="Imagem 4" descr="Imagem em preto e branco">
-            <a:extLst>
-              <a:ext uri="{FF2B5EF4-FFF2-40B4-BE49-F238E27FC236}">
-                <a16:creationId xmlns:a16="http://schemas.microsoft.com/office/drawing/2014/main" id="{B4404C6E-D3A6-D62C-5EDF-C9D0FA981E26}"/>
-              </a:ext>
-            </a:extLst>
-          </p:cNvPr>
-          <p:cNvPicPr>
-            <a:picLocks noChangeAspect="1"/>
-          </p:cNvPicPr>
+          <p:cNvPr id="2" name="Retângulo: Cantos Arredondados 1">
+            <a:extLst>
+              <a:ext uri="{FF2B5EF4-FFF2-40B4-BE49-F238E27FC236}">
+                <a16:creationId xmlns:a16="http://schemas.microsoft.com/office/drawing/2014/main" id="{7530B101-4FD6-43D7-8D3B-423D11E542AA}"/>
+              </a:ext>
+            </a:extLst>
+          </p:cNvPr>
+          <p:cNvSpPr/>
           <p:nvPr/>
-        </p:nvPicPr>
-        <p:blipFill>
-          <a:blip r:embed="rId2">
-            <a:extLst>
-              <a:ext uri="{28A0092B-C50C-407E-A947-70E740481C1C}">
-                <a14:useLocalDpi xmlns:a14="http://schemas.microsoft.com/office/drawing/2010/main" val="0"/>
-              </a:ext>
-            </a:extLst>
-          </a:blip>
-          <a:stretch>
-            <a:fillRect/>
-          </a:stretch>
-        </p:blipFill>
+        </p:nvSpPr>
         <p:spPr>
           <a:xfrm>
-            <a:off x="5952754" y="2781294"/>
-            <a:ext cx="4076706" cy="4076706"/>
+            <a:off x="941034" y="630315"/>
+            <a:ext cx="4625266" cy="852256"/>
+          </a:xfrm>
+          <a:prstGeom prst="roundRect">
+            <a:avLst/>
+          </a:prstGeom>
+          <a:solidFill>
+            <a:schemeClr val="accent6"/>
+          </a:solidFill>
+          <a:ln>
+            <a:noFill/>
+          </a:ln>
+        </p:spPr>
+        <p:style>
+          <a:lnRef idx="2">
+            <a:schemeClr val="accent1">
+              <a:shade val="15000"/>
+            </a:schemeClr>
+          </a:lnRef>
+          <a:fillRef idx="1">
+            <a:schemeClr val="accent1"/>
+          </a:fillRef>
+          <a:effectRef idx="0">
+            <a:schemeClr val="accent1"/>
+          </a:effectRef>
+          <a:fontRef idx="minor">
+            <a:schemeClr val="lt1"/>
+          </a:fontRef>
+        </p:style>
+        <p:txBody>
+          <a:bodyPr rtlCol="0" anchor="ctr"/>
+          <a:lstStyle/>
+          <a:p>
+            <a:pPr algn="ctr"/>
+            <a:r>
+              <a:rPr lang="pt-BR" sz="4000" b="1" dirty="0">
+                <a:latin typeface="Söhne"/>
+              </a:rPr>
+              <a:t>Objetivos</a:t>
+            </a:r>
+            <a:endParaRPr lang="pt-BR" sz="2800" b="1" i="0" dirty="0">
+              <a:effectLst/>
+              <a:latin typeface="Söhne"/>
+            </a:endParaRPr>
+          </a:p>
+        </p:txBody>
+      </p:sp>
+      <p:sp>
+        <p:nvSpPr>
+          <p:cNvPr id="3" name="CaixaDeTexto 2">
+            <a:extLst>
+              <a:ext uri="{FF2B5EF4-FFF2-40B4-BE49-F238E27FC236}">
+                <a16:creationId xmlns:a16="http://schemas.microsoft.com/office/drawing/2014/main" id="{9F3174A1-9767-5004-794B-69F8484E69E8}"/>
+              </a:ext>
+            </a:extLst>
+          </p:cNvPr>
+          <p:cNvSpPr txBox="1"/>
+          <p:nvPr/>
+        </p:nvSpPr>
+        <p:spPr>
+          <a:xfrm>
+            <a:off x="941034" y="1874728"/>
+            <a:ext cx="10457279" cy="3108543"/>
           </a:xfrm>
           <a:prstGeom prst="rect">
             <a:avLst/>
           </a:prstGeom>
+          <a:noFill/>
         </p:spPr>
-      </p:pic>
+        <p:txBody>
+          <a:bodyPr wrap="square" rtlCol="0">
+            <a:spAutoFit/>
+          </a:bodyPr>
+          <a:lstStyle/>
+          <a:p>
+            <a:pPr marL="457200" indent="-457200">
+              <a:buFont typeface="Arial" panose="020B0604020202020204" pitchFamily="34" charset="0"/>
+              <a:buChar char="•"/>
+            </a:pPr>
+            <a:r>
+              <a:rPr lang="pt-BR" sz="2800" dirty="0"/>
+              <a:t>O TAP é um documento crucial no gerenciamento de projetos.</a:t>
+            </a:r>
+          </a:p>
+          <a:p>
+            <a:endParaRPr lang="pt-BR" sz="2800" dirty="0"/>
+          </a:p>
+          <a:p>
+            <a:pPr marL="457200" indent="-457200">
+              <a:buFont typeface="Arial" panose="020B0604020202020204" pitchFamily="34" charset="0"/>
+              <a:buChar char="•"/>
+            </a:pPr>
+            <a:r>
+              <a:rPr lang="pt-BR" sz="2800" dirty="0"/>
+              <a:t>Estabelece as bases para o projeto desde seu início.</a:t>
+            </a:r>
+          </a:p>
+          <a:p>
+            <a:endParaRPr lang="pt-BR" sz="2800" dirty="0"/>
+          </a:p>
+          <a:p>
+            <a:pPr marL="457200" indent="-457200">
+              <a:buFont typeface="Arial" panose="020B0604020202020204" pitchFamily="34" charset="0"/>
+              <a:buChar char="•"/>
+            </a:pPr>
+            <a:r>
+              <a:rPr lang="pt-BR" sz="2800" dirty="0"/>
+              <a:t>Ferramenta essencial para a compreensão e alinhamento de objetivos.</a:t>
+            </a:r>
+          </a:p>
+        </p:txBody>
+      </p:sp>
     </p:spTree>
     <p:extLst>
       <p:ext uri="{BB962C8B-B14F-4D97-AF65-F5344CB8AC3E}">
-        <p14:creationId xmlns:p14="http://schemas.microsoft.com/office/powerpoint/2010/main" val="4052494519"/>
+        <p14:creationId xmlns:p14="http://schemas.microsoft.com/office/powerpoint/2010/main" val="1806275063"/>
       </p:ext>
     </p:extLst>
   </p:cSld>
@@ -4229,94 +5692,307 @@
       </p:grpSpPr>
       <p:sp>
         <p:nvSpPr>
-          <p:cNvPr id="2" name="Título 1">
-            <a:extLst>
-              <a:ext uri="{FF2B5EF4-FFF2-40B4-BE49-F238E27FC236}">
-                <a16:creationId xmlns:a16="http://schemas.microsoft.com/office/drawing/2014/main" id="{9607353C-C075-7C4B-E676-445D5D3CDB69}"/>
-              </a:ext>
-            </a:extLst>
-          </p:cNvPr>
-          <p:cNvSpPr>
-            <a:spLocks noGrp="1"/>
-          </p:cNvSpPr>
-          <p:nvPr>
-            <p:ph type="title"/>
-          </p:nvPr>
-        </p:nvSpPr>
-        <p:spPr/>
-        <p:txBody>
-          <a:bodyPr/>
+          <p:cNvPr id="2" name="Retângulo: Cantos Arredondados 1">
+            <a:extLst>
+              <a:ext uri="{FF2B5EF4-FFF2-40B4-BE49-F238E27FC236}">
+                <a16:creationId xmlns:a16="http://schemas.microsoft.com/office/drawing/2014/main" id="{7530B101-4FD6-43D7-8D3B-423D11E542AA}"/>
+              </a:ext>
+            </a:extLst>
+          </p:cNvPr>
+          <p:cNvSpPr/>
+          <p:nvPr/>
+        </p:nvSpPr>
+        <p:spPr>
+          <a:xfrm>
+            <a:off x="941034" y="630315"/>
+            <a:ext cx="4625266" cy="852256"/>
+          </a:xfrm>
+          <a:prstGeom prst="roundRect">
+            <a:avLst/>
+          </a:prstGeom>
+          <a:solidFill>
+            <a:schemeClr val="accent6"/>
+          </a:solidFill>
+          <a:ln>
+            <a:noFill/>
+          </a:ln>
+        </p:spPr>
+        <p:style>
+          <a:lnRef idx="2">
+            <a:schemeClr val="accent1">
+              <a:shade val="15000"/>
+            </a:schemeClr>
+          </a:lnRef>
+          <a:fillRef idx="1">
+            <a:schemeClr val="accent1"/>
+          </a:fillRef>
+          <a:effectRef idx="0">
+            <a:schemeClr val="accent1"/>
+          </a:effectRef>
+          <a:fontRef idx="minor">
+            <a:schemeClr val="lt1"/>
+          </a:fontRef>
+        </p:style>
+        <p:txBody>
+          <a:bodyPr rtlCol="0" anchor="ctr"/>
           <a:lstStyle/>
           <a:p>
-            <a:r>
-              <a:rPr lang="pt-BR" dirty="0"/>
-              <a:t>Material</a:t>
-            </a:r>
-          </a:p>
-        </p:txBody>
-      </p:sp>
-      <p:sp>
-        <p:nvSpPr>
-          <p:cNvPr id="3" name="Espaço Reservado para Conteúdo 2">
-            <a:extLst>
-              <a:ext uri="{FF2B5EF4-FFF2-40B4-BE49-F238E27FC236}">
-                <a16:creationId xmlns:a16="http://schemas.microsoft.com/office/drawing/2014/main" id="{A09C5080-19D3-AFCA-7497-9F20105D27B2}"/>
-              </a:ext>
-            </a:extLst>
-          </p:cNvPr>
-          <p:cNvSpPr>
-            <a:spLocks noGrp="1"/>
-          </p:cNvSpPr>
-          <p:nvPr>
-            <p:ph idx="1"/>
-          </p:nvPr>
-        </p:nvSpPr>
-        <p:spPr/>
-        <p:txBody>
-          <a:bodyPr>
-            <a:normAutofit/>
+            <a:pPr algn="ctr"/>
+            <a:r>
+              <a:rPr lang="pt-BR" sz="2800" b="1" i="0" dirty="0">
+                <a:effectLst/>
+                <a:latin typeface="Söhne"/>
+              </a:rPr>
+              <a:t>Termo de Abertura de Projetos</a:t>
+            </a:r>
+          </a:p>
+        </p:txBody>
+      </p:sp>
+      <p:sp>
+        <p:nvSpPr>
+          <p:cNvPr id="4" name="CaixaDeTexto 3">
+            <a:extLst>
+              <a:ext uri="{FF2B5EF4-FFF2-40B4-BE49-F238E27FC236}">
+                <a16:creationId xmlns:a16="http://schemas.microsoft.com/office/drawing/2014/main" id="{9AD37E33-CA22-3625-36CF-43824E3C4B1B}"/>
+              </a:ext>
+            </a:extLst>
+          </p:cNvPr>
+          <p:cNvSpPr txBox="1"/>
+          <p:nvPr/>
+        </p:nvSpPr>
+        <p:spPr>
+          <a:xfrm rot="20556639">
+            <a:off x="1113756" y="2446355"/>
+            <a:ext cx="3471655" cy="1015663"/>
+          </a:xfrm>
+          <a:prstGeom prst="rect">
+            <a:avLst/>
+          </a:prstGeom>
+          <a:noFill/>
+        </p:spPr>
+        <p:txBody>
+          <a:bodyPr wrap="square" rtlCol="0">
+            <a:spAutoFit/>
           </a:bodyPr>
           <a:lstStyle/>
           <a:p>
-            <a:r>
-              <a:rPr lang="pt-BR" sz="2800" dirty="0"/>
-              <a:t>20 filetes de macarrão tipo </a:t>
-            </a:r>
-            <a:r>
-              <a:rPr lang="pt-BR" sz="2800" dirty="0" err="1"/>
-              <a:t>spaghetti</a:t>
-            </a:r>
-            <a:r>
-              <a:rPr lang="pt-BR" sz="2800" dirty="0"/>
-              <a:t>;</a:t>
-            </a:r>
-          </a:p>
-          <a:p>
-            <a:r>
-              <a:rPr lang="pt-BR" sz="2800" dirty="0"/>
-              <a:t>90 cm de fita crepe;</a:t>
-            </a:r>
-          </a:p>
-          <a:p>
-            <a:r>
-              <a:rPr lang="pt-BR" sz="2800" dirty="0"/>
-              <a:t>90 cm de barbante;</a:t>
-            </a:r>
-          </a:p>
-          <a:p>
-            <a:r>
-              <a:rPr lang="pt-BR" sz="2800" dirty="0"/>
-              <a:t>1 marshmallow.</a:t>
-            </a:r>
-          </a:p>
-        </p:txBody>
-      </p:sp>
+            <a:pPr algn="ctr"/>
+            <a:r>
+              <a:rPr lang="pt-BR" sz="2000" dirty="0">
+                <a:latin typeface="Gill Sans ExtraBoldDisplay" panose="020B0400000000000000" pitchFamily="34" charset="0"/>
+              </a:rPr>
+              <a:t>Quais são os objetivos do TAP se já existe plano de ação?</a:t>
+            </a:r>
+          </a:p>
+        </p:txBody>
+      </p:sp>
+      <p:sp>
+        <p:nvSpPr>
+          <p:cNvPr id="5" name="Balão de Pensamento: Nuvem 4">
+            <a:extLst>
+              <a:ext uri="{FF2B5EF4-FFF2-40B4-BE49-F238E27FC236}">
+                <a16:creationId xmlns:a16="http://schemas.microsoft.com/office/drawing/2014/main" id="{A0920EA4-C419-823D-CC74-156177CB0F5B}"/>
+              </a:ext>
+            </a:extLst>
+          </p:cNvPr>
+          <p:cNvSpPr/>
+          <p:nvPr/>
+        </p:nvSpPr>
+        <p:spPr>
+          <a:xfrm>
+            <a:off x="684163" y="1771800"/>
+            <a:ext cx="4250693" cy="2364772"/>
+          </a:xfrm>
+          <a:prstGeom prst="cloudCallout">
+            <a:avLst>
+              <a:gd name="adj1" fmla="val 40216"/>
+              <a:gd name="adj2" fmla="val 67209"/>
+            </a:avLst>
+          </a:prstGeom>
+          <a:noFill/>
+        </p:spPr>
+        <p:style>
+          <a:lnRef idx="2">
+            <a:schemeClr val="accent1">
+              <a:shade val="15000"/>
+            </a:schemeClr>
+          </a:lnRef>
+          <a:fillRef idx="1">
+            <a:schemeClr val="accent1"/>
+          </a:fillRef>
+          <a:effectRef idx="0">
+            <a:schemeClr val="accent1"/>
+          </a:effectRef>
+          <a:fontRef idx="minor">
+            <a:schemeClr val="lt1"/>
+          </a:fontRef>
+        </p:style>
+        <p:txBody>
+          <a:bodyPr rtlCol="0" anchor="ctr"/>
+          <a:lstStyle/>
+          <a:p>
+            <a:pPr algn="ctr"/>
+            <a:r>
+              <a:rPr lang="pt-BR" dirty="0"/>
+              <a:t>ZZZ</a:t>
+            </a:r>
+          </a:p>
+        </p:txBody>
+      </p:sp>
+      <p:sp>
+        <p:nvSpPr>
+          <p:cNvPr id="6" name="Balão de Fala: Retângulo com Cantos Arredondados 5">
+            <a:extLst>
+              <a:ext uri="{FF2B5EF4-FFF2-40B4-BE49-F238E27FC236}">
+                <a16:creationId xmlns:a16="http://schemas.microsoft.com/office/drawing/2014/main" id="{9F0156BE-F790-6D27-ACDB-7B045661C16F}"/>
+              </a:ext>
+            </a:extLst>
+          </p:cNvPr>
+          <p:cNvSpPr/>
+          <p:nvPr/>
+        </p:nvSpPr>
+        <p:spPr>
+          <a:xfrm>
+            <a:off x="7367009" y="1054039"/>
+            <a:ext cx="3695464" cy="2213429"/>
+          </a:xfrm>
+          <a:prstGeom prst="wedgeRoundRectCallout">
+            <a:avLst>
+              <a:gd name="adj1" fmla="val -41145"/>
+              <a:gd name="adj2" fmla="val 74674"/>
+              <a:gd name="adj3" fmla="val 16667"/>
+            </a:avLst>
+          </a:prstGeom>
+          <a:noFill/>
+        </p:spPr>
+        <p:style>
+          <a:lnRef idx="2">
+            <a:schemeClr val="accent1">
+              <a:shade val="15000"/>
+            </a:schemeClr>
+          </a:lnRef>
+          <a:fillRef idx="1">
+            <a:schemeClr val="accent1"/>
+          </a:fillRef>
+          <a:effectRef idx="0">
+            <a:schemeClr val="accent1"/>
+          </a:effectRef>
+          <a:fontRef idx="minor">
+            <a:schemeClr val="lt1"/>
+          </a:fontRef>
+        </p:style>
+        <p:txBody>
+          <a:bodyPr rtlCol="0" anchor="ctr"/>
+          <a:lstStyle/>
+          <a:p>
+            <a:pPr algn="ctr"/>
+            <a:endParaRPr lang="pt-BR"/>
+          </a:p>
+        </p:txBody>
+      </p:sp>
+      <mc:AlternateContent xmlns:mc="http://schemas.openxmlformats.org/markup-compatibility/2006">
+        <mc:Choice xmlns:pslz="http://schemas.microsoft.com/office/powerpoint/2016/slidezoom" Requires="pslz">
+          <p:graphicFrame>
+            <p:nvGraphicFramePr>
+              <p:cNvPr id="8" name="Zoom de Slide 7">
+                <a:extLst>
+                  <a:ext uri="{FF2B5EF4-FFF2-40B4-BE49-F238E27FC236}">
+                    <a16:creationId xmlns:a16="http://schemas.microsoft.com/office/drawing/2014/main" id="{ED6459B3-B5D7-2831-8C99-91CDFD062D8D}"/>
+                  </a:ext>
+                </a:extLst>
+              </p:cNvPr>
+              <p:cNvGraphicFramePr>
+                <a:graphicFrameLocks noChangeAspect="1"/>
+              </p:cNvGraphicFramePr>
+              <p:nvPr>
+                <p:extLst>
+                  <p:ext uri="{D42A27DB-BD31-4B8C-83A1-F6EECF244321}">
+                    <p14:modId xmlns:p14="http://schemas.microsoft.com/office/powerpoint/2010/main" val="2621323151"/>
+                  </p:ext>
+                </p:extLst>
+              </p:nvPr>
+            </p:nvGraphicFramePr>
+            <p:xfrm>
+              <a:off x="7690741" y="1303503"/>
+              <a:ext cx="3048000" cy="1714500"/>
+            </p:xfrm>
+            <a:graphic>
+              <a:graphicData uri="http://schemas.microsoft.com/office/powerpoint/2016/slidezoom">
+                <pslz:sldZm>
+                  <pslz:sldZmObj sldId="257" cId="229463502">
+                    <pslz:zmPr id="{7A020BAF-2AE4-4202-9E42-401212B1A033}" returnToParent="0" transitionDur="1000">
+                      <p166:blipFill xmlns:p166="http://schemas.microsoft.com/office/powerpoint/2016/6/main">
+                        <a:blip r:embed="rId2"/>
+                        <a:stretch>
+                          <a:fillRect/>
+                        </a:stretch>
+                      </p166:blipFill>
+                      <p166:spPr xmlns:p166="http://schemas.microsoft.com/office/powerpoint/2016/6/main">
+                        <a:xfrm>
+                          <a:off x="0" y="0"/>
+                          <a:ext cx="3048000" cy="1714500"/>
+                        </a:xfrm>
+                        <a:prstGeom prst="rect">
+                          <a:avLst/>
+                        </a:prstGeom>
+                        <a:ln w="3175">
+                          <a:solidFill>
+                            <a:prstClr val="ltGray"/>
+                          </a:solidFill>
+                        </a:ln>
+                      </p166:spPr>
+                    </pslz:zmPr>
+                  </pslz:sldZmObj>
+                </pslz:sldZm>
+              </a:graphicData>
+            </a:graphic>
+          </p:graphicFrame>
+        </mc:Choice>
+        <mc:Fallback>
+          <p:pic>
+            <p:nvPicPr>
+              <p:cNvPr id="8" name="Zoom de Slide 7">
+                <a:hlinkClick r:id="rId3" action="ppaction://hlinksldjump"/>
+                <a:extLst>
+                  <a:ext uri="{FF2B5EF4-FFF2-40B4-BE49-F238E27FC236}">
+                    <a16:creationId xmlns:a16="http://schemas.microsoft.com/office/drawing/2014/main" id="{ED6459B3-B5D7-2831-8C99-91CDFD062D8D}"/>
+                  </a:ext>
+                </a:extLst>
+              </p:cNvPr>
+              <p:cNvPicPr>
+                <a:picLocks noGrp="1" noRot="1" noChangeAspect="1" noMove="1" noResize="1" noEditPoints="1" noAdjustHandles="1" noChangeArrowheads="1" noChangeShapeType="1"/>
+              </p:cNvPicPr>
+              <p:nvPr/>
+            </p:nvPicPr>
+            <p:blipFill>
+              <a:blip r:embed="rId2"/>
+              <a:stretch>
+                <a:fillRect/>
+              </a:stretch>
+            </p:blipFill>
+            <p:spPr>
+              <a:xfrm>
+                <a:off x="7690741" y="1303503"/>
+                <a:ext cx="3048000" cy="1714500"/>
+              </a:xfrm>
+              <a:prstGeom prst="rect">
+                <a:avLst/>
+              </a:prstGeom>
+              <a:ln w="3175">
+                <a:solidFill>
+                  <a:prstClr val="ltGray"/>
+                </a:solidFill>
+              </a:ln>
+            </p:spPr>
+          </p:pic>
+        </mc:Fallback>
+      </mc:AlternateContent>
       <p:pic>
         <p:nvPicPr>
-          <p:cNvPr id="5" name="Imagem 4" descr="Imagem em preto e branco">
-            <a:extLst>
-              <a:ext uri="{FF2B5EF4-FFF2-40B4-BE49-F238E27FC236}">
-                <a16:creationId xmlns:a16="http://schemas.microsoft.com/office/drawing/2014/main" id="{17CE512E-1893-74E8-D4F2-2A65AF096979}"/>
+          <p:cNvPr id="10" name="Imagem 9" descr="Imagem em preto e branco&#10;&#10;Descrição gerada automaticamente">
+            <a:extLst>
+              <a:ext uri="{FF2B5EF4-FFF2-40B4-BE49-F238E27FC236}">
+                <a16:creationId xmlns:a16="http://schemas.microsoft.com/office/drawing/2014/main" id="{2891D6A5-A67C-D8AC-7D11-4B75C6141545}"/>
               </a:ext>
             </a:extLst>
           </p:cNvPr>
@@ -4326,7 +6002,7 @@
           <p:nvPr/>
         </p:nvPicPr>
         <p:blipFill>
-          <a:blip r:embed="rId2">
+          <a:blip r:embed="rId4">
             <a:extLst>
               <a:ext uri="{28A0092B-C50C-407E-A947-70E740481C1C}">
                 <a14:useLocalDpi xmlns:a14="http://schemas.microsoft.com/office/drawing/2010/main" val="0"/>
@@ -4339,8 +6015,8 @@
         </p:blipFill>
         <p:spPr>
           <a:xfrm>
-            <a:off x="5952754" y="2781294"/>
-            <a:ext cx="4076706" cy="4076706"/>
+            <a:off x="2842027" y="1637802"/>
+            <a:ext cx="6096012" cy="6096012"/>
           </a:xfrm>
           <a:prstGeom prst="rect">
             <a:avLst/>
@@ -4350,13 +6026,210 @@
     </p:spTree>
     <p:extLst>
       <p:ext uri="{BB962C8B-B14F-4D97-AF65-F5344CB8AC3E}">
-        <p14:creationId xmlns:p14="http://schemas.microsoft.com/office/powerpoint/2010/main" val="1318896398"/>
+        <p14:creationId xmlns:p14="http://schemas.microsoft.com/office/powerpoint/2010/main" val="3925425905"/>
       </p:ext>
     </p:extLst>
   </p:cSld>
   <p:clrMapOvr>
     <a:masterClrMapping/>
   </p:clrMapOvr>
+  <p:timing>
+    <p:tnLst>
+      <p:par>
+        <p:cTn id="1" dur="indefinite" restart="never" nodeType="tmRoot">
+          <p:childTnLst>
+            <p:seq concurrent="1" nextAc="seek">
+              <p:cTn id="2" dur="indefinite" nodeType="mainSeq">
+                <p:childTnLst>
+                  <p:par>
+                    <p:cTn id="3" fill="hold">
+                      <p:stCondLst>
+                        <p:cond delay="indefinite"/>
+                      </p:stCondLst>
+                      <p:childTnLst>
+                        <p:par>
+                          <p:cTn id="4" fill="hold">
+                            <p:stCondLst>
+                              <p:cond delay="0"/>
+                            </p:stCondLst>
+                            <p:childTnLst>
+                              <p:par>
+                                <p:cTn id="5" presetID="2" presetClass="entr" presetSubtype="4" fill="hold" grpId="0" nodeType="clickEffect">
+                                  <p:stCondLst>
+                                    <p:cond delay="0"/>
+                                  </p:stCondLst>
+                                  <p:childTnLst>
+                                    <p:set>
+                                      <p:cBhvr>
+                                        <p:cTn id="6" dur="1" fill="hold">
+                                          <p:stCondLst>
+                                            <p:cond delay="0"/>
+                                          </p:stCondLst>
+                                        </p:cTn>
+                                        <p:tgtEl>
+                                          <p:spTgt spid="6"/>
+                                        </p:tgtEl>
+                                        <p:attrNameLst>
+                                          <p:attrName>style.visibility</p:attrName>
+                                        </p:attrNameLst>
+                                      </p:cBhvr>
+                                      <p:to>
+                                        <p:strVal val="visible"/>
+                                      </p:to>
+                                    </p:set>
+                                    <p:anim calcmode="lin" valueType="num">
+                                      <p:cBhvr additive="base">
+                                        <p:cTn id="7" dur="500" fill="hold"/>
+                                        <p:tgtEl>
+                                          <p:spTgt spid="6"/>
+                                        </p:tgtEl>
+                                        <p:attrNameLst>
+                                          <p:attrName>ppt_x</p:attrName>
+                                        </p:attrNameLst>
+                                      </p:cBhvr>
+                                      <p:tavLst>
+                                        <p:tav tm="0">
+                                          <p:val>
+                                            <p:strVal val="#ppt_x"/>
+                                          </p:val>
+                                        </p:tav>
+                                        <p:tav tm="100000">
+                                          <p:val>
+                                            <p:strVal val="#ppt_x"/>
+                                          </p:val>
+                                        </p:tav>
+                                      </p:tavLst>
+                                    </p:anim>
+                                    <p:anim calcmode="lin" valueType="num">
+                                      <p:cBhvr additive="base">
+                                        <p:cTn id="8" dur="500" fill="hold"/>
+                                        <p:tgtEl>
+                                          <p:spTgt spid="6"/>
+                                        </p:tgtEl>
+                                        <p:attrNameLst>
+                                          <p:attrName>ppt_y</p:attrName>
+                                        </p:attrNameLst>
+                                      </p:cBhvr>
+                                      <p:tavLst>
+                                        <p:tav tm="0">
+                                          <p:val>
+                                            <p:strVal val="1+#ppt_h/2"/>
+                                          </p:val>
+                                        </p:tav>
+                                        <p:tav tm="100000">
+                                          <p:val>
+                                            <p:strVal val="#ppt_y"/>
+                                          </p:val>
+                                        </p:tav>
+                                      </p:tavLst>
+                                    </p:anim>
+                                  </p:childTnLst>
+                                </p:cTn>
+                              </p:par>
+                              <p:par>
+                                <p:cTn id="9" presetID="2" presetClass="entr" presetSubtype="4" fill="hold" nodeType="withEffect">
+                                  <p:stCondLst>
+                                    <p:cond delay="0"/>
+                                  </p:stCondLst>
+                                  <p:childTnLst>
+                                    <p:set>
+                                      <p:cBhvr>
+                                        <p:cTn id="10" dur="1" fill="hold">
+                                          <p:stCondLst>
+                                            <p:cond delay="0"/>
+                                          </p:stCondLst>
+                                        </p:cTn>
+                                        <p:tgtEl>
+                                          <p:spTgt spid="8"/>
+                                        </p:tgtEl>
+                                        <p:attrNameLst>
+                                          <p:attrName>style.visibility</p:attrName>
+                                        </p:attrNameLst>
+                                      </p:cBhvr>
+                                      <p:to>
+                                        <p:strVal val="visible"/>
+                                      </p:to>
+                                    </p:set>
+                                    <p:anim calcmode="lin" valueType="num">
+                                      <p:cBhvr additive="base">
+                                        <p:cTn id="11" dur="500" fill="hold"/>
+                                        <p:tgtEl>
+                                          <p:spTgt spid="8"/>
+                                        </p:tgtEl>
+                                        <p:attrNameLst>
+                                          <p:attrName>ppt_x</p:attrName>
+                                        </p:attrNameLst>
+                                      </p:cBhvr>
+                                      <p:tavLst>
+                                        <p:tav tm="0">
+                                          <p:val>
+                                            <p:strVal val="#ppt_x"/>
+                                          </p:val>
+                                        </p:tav>
+                                        <p:tav tm="100000">
+                                          <p:val>
+                                            <p:strVal val="#ppt_x"/>
+                                          </p:val>
+                                        </p:tav>
+                                      </p:tavLst>
+                                    </p:anim>
+                                    <p:anim calcmode="lin" valueType="num">
+                                      <p:cBhvr additive="base">
+                                        <p:cTn id="12" dur="500" fill="hold"/>
+                                        <p:tgtEl>
+                                          <p:spTgt spid="8"/>
+                                        </p:tgtEl>
+                                        <p:attrNameLst>
+                                          <p:attrName>ppt_y</p:attrName>
+                                        </p:attrNameLst>
+                                      </p:cBhvr>
+                                      <p:tavLst>
+                                        <p:tav tm="0">
+                                          <p:val>
+                                            <p:strVal val="1+#ppt_h/2"/>
+                                          </p:val>
+                                        </p:tav>
+                                        <p:tav tm="100000">
+                                          <p:val>
+                                            <p:strVal val="#ppt_y"/>
+                                          </p:val>
+                                        </p:tav>
+                                      </p:tavLst>
+                                    </p:anim>
+                                  </p:childTnLst>
+                                </p:cTn>
+                              </p:par>
+                            </p:childTnLst>
+                          </p:cTn>
+                        </p:par>
+                      </p:childTnLst>
+                    </p:cTn>
+                  </p:par>
+                </p:childTnLst>
+              </p:cTn>
+              <p:prevCondLst>
+                <p:cond evt="onPrev" delay="0">
+                  <p:tgtEl>
+                    <p:sldTgt/>
+                  </p:tgtEl>
+                </p:cond>
+              </p:prevCondLst>
+              <p:nextCondLst>
+                <p:cond evt="onNext" delay="0">
+                  <p:tgtEl>
+                    <p:sldTgt/>
+                  </p:tgtEl>
+                </p:cond>
+              </p:nextCondLst>
+            </p:seq>
+          </p:childTnLst>
+        </p:cTn>
+      </p:par>
+    </p:tnLst>
+    <p:bldLst>
+      <p:bldP spid="6" grpId="0" animBg="1"/>
+    </p:bldLst>
+  </p:timing>
 </p:sld>
 </file>
 
@@ -4377,308 +6250,1486 @@
           <a:chExt cx="0" cy="0"/>
         </a:xfrm>
       </p:grpSpPr>
-      <p:sp>
-        <p:nvSpPr>
-          <p:cNvPr id="2" name="Título 1">
-            <a:extLst>
-              <a:ext uri="{FF2B5EF4-FFF2-40B4-BE49-F238E27FC236}">
-                <a16:creationId xmlns:a16="http://schemas.microsoft.com/office/drawing/2014/main" id="{9607353C-C075-7C4B-E676-445D5D3CDB69}"/>
-              </a:ext>
-            </a:extLst>
-          </p:cNvPr>
-          <p:cNvSpPr>
-            <a:spLocks noGrp="1"/>
-          </p:cNvSpPr>
-          <p:nvPr>
-            <p:ph type="title"/>
-          </p:nvPr>
-        </p:nvSpPr>
-        <p:spPr/>
-        <p:txBody>
-          <a:bodyPr/>
-          <a:lstStyle/>
-          <a:p>
-            <a:r>
-              <a:rPr lang="pt-BR" dirty="0"/>
-              <a:t>Questões que serão respondidas após o desafio!</a:t>
-            </a:r>
-          </a:p>
-        </p:txBody>
-      </p:sp>
-      <p:sp>
-        <p:nvSpPr>
-          <p:cNvPr id="3" name="Espaço Reservado para Conteúdo 2">
-            <a:extLst>
-              <a:ext uri="{FF2B5EF4-FFF2-40B4-BE49-F238E27FC236}">
-                <a16:creationId xmlns:a16="http://schemas.microsoft.com/office/drawing/2014/main" id="{A09C5080-19D3-AFCA-7497-9F20105D27B2}"/>
-              </a:ext>
-            </a:extLst>
-          </p:cNvPr>
-          <p:cNvSpPr>
-            <a:spLocks noGrp="1"/>
-          </p:cNvSpPr>
-          <p:nvPr>
-            <p:ph idx="1"/>
-          </p:nvPr>
-        </p:nvSpPr>
-        <p:spPr>
+      <p:pic>
+        <p:nvPicPr>
+          <p:cNvPr id="3" name="Picture 2" descr="Understanding Desired Business Outcomes and KPIs Is A Must - Middlesex ...">
+            <a:extLst>
+              <a:ext uri="{FF2B5EF4-FFF2-40B4-BE49-F238E27FC236}">
+                <a16:creationId xmlns:a16="http://schemas.microsoft.com/office/drawing/2014/main" id="{4F526880-FDF2-3028-009D-506F733AF18B}"/>
+              </a:ext>
+            </a:extLst>
+          </p:cNvPr>
+          <p:cNvPicPr>
+            <a:picLocks noChangeAspect="1" noChangeArrowheads="1"/>
+          </p:cNvPicPr>
+          <p:nvPr/>
+        </p:nvPicPr>
+        <p:blipFill rotWithShape="1">
+          <a:blip r:embed="rId2">
+            <a:extLst>
+              <a:ext uri="{28A0092B-C50C-407E-A947-70E740481C1C}">
+                <a14:useLocalDpi xmlns:a14="http://schemas.microsoft.com/office/drawing/2010/main" val="0"/>
+              </a:ext>
+            </a:extLst>
+          </a:blip>
+          <a:srcRect b="50000"/>
+          <a:stretch/>
+        </p:blipFill>
+        <p:spPr bwMode="auto">
           <a:xfrm>
-            <a:off x="1077362" y="2427316"/>
-            <a:ext cx="4446745" cy="3513514"/>
-          </a:xfrm>
-        </p:spPr>
-        <p:txBody>
-          <a:bodyPr>
-            <a:normAutofit fontScale="85000" lnSpcReduction="20000"/>
-          </a:bodyPr>
-          <a:lstStyle/>
-          <a:p>
-            <a:pPr marL="0" indent="0">
-              <a:buNone/>
-            </a:pPr>
-            <a:r>
-              <a:rPr lang="pt-BR" sz="2800" dirty="0"/>
-              <a:t>1. Quais os principais desafios na gestão de projetos?</a:t>
-            </a:r>
-          </a:p>
-          <a:p>
-            <a:pPr marL="0" indent="0">
-              <a:buNone/>
-            </a:pPr>
-            <a:endParaRPr lang="pt-BR" sz="2800" dirty="0"/>
-          </a:p>
-          <a:p>
-            <a:pPr marL="0" indent="0">
-              <a:buNone/>
-            </a:pPr>
-            <a:r>
-              <a:rPr lang="pt-BR" sz="2800" dirty="0"/>
-              <a:t>2. O que mais pressionou o time, a questão técnica (altura da estrutura) ou gerencial (pressão por tempo e consumo dos recursos)?</a:t>
-            </a:r>
-          </a:p>
-        </p:txBody>
-      </p:sp>
-      <p:sp>
-        <p:nvSpPr>
-          <p:cNvPr id="5" name="Espaço Reservado para Conteúdo 2">
-            <a:extLst>
-              <a:ext uri="{FF2B5EF4-FFF2-40B4-BE49-F238E27FC236}">
-                <a16:creationId xmlns:a16="http://schemas.microsoft.com/office/drawing/2014/main" id="{B2E38981-902D-46F3-8AB9-997665F75F4B}"/>
-              </a:ext>
-            </a:extLst>
-          </p:cNvPr>
-          <p:cNvSpPr txBox="1">
-            <a:spLocks/>
-          </p:cNvSpPr>
-          <p:nvPr/>
-        </p:nvSpPr>
-        <p:spPr>
-          <a:xfrm>
-            <a:off x="6235395" y="2427316"/>
-            <a:ext cx="4446745" cy="3513514"/>
+            <a:off x="-130629" y="-306977"/>
+            <a:ext cx="12453258" cy="3735976"/>
           </a:xfrm>
           <a:prstGeom prst="rect">
             <a:avLst/>
           </a:prstGeom>
+          <a:noFill/>
+          <a:extLst>
+            <a:ext uri="{909E8E84-426E-40DD-AFC4-6F175D3DCCD1}">
+              <a14:hiddenFill xmlns:a14="http://schemas.microsoft.com/office/drawing/2010/main">
+                <a:solidFill>
+                  <a:srgbClr val="FFFFFF"/>
+                </a:solidFill>
+              </a14:hiddenFill>
+            </a:ext>
+          </a:extLst>
         </p:spPr>
-        <p:txBody>
-          <a:bodyPr vert="horz" lIns="91440" tIns="45720" rIns="91440" bIns="45720" rtlCol="0">
-            <a:normAutofit fontScale="77500" lnSpcReduction="20000"/>
-          </a:bodyPr>
-          <a:lstStyle>
-            <a:lvl1pPr marL="228600" indent="-228600" algn="l" defTabSz="914400" rtl="0" eaLnBrk="1" latinLnBrk="0" hangingPunct="1">
-              <a:lnSpc>
-                <a:spcPct val="120000"/>
-              </a:lnSpc>
-              <a:spcBef>
-                <a:spcPts val="1000"/>
-              </a:spcBef>
-              <a:buFont typeface="Arial" panose="020B0604020202020204" pitchFamily="34" charset="0"/>
-              <a:buChar char="•"/>
-              <a:defRPr sz="1800" kern="1200">
+      </p:pic>
+      <p:pic>
+        <p:nvPicPr>
+          <p:cNvPr id="4" name="Picture 2" descr="Understanding Desired Business Outcomes and KPIs Is A Must - Middlesex ...">
+            <a:extLst>
+              <a:ext uri="{FF2B5EF4-FFF2-40B4-BE49-F238E27FC236}">
+                <a16:creationId xmlns:a16="http://schemas.microsoft.com/office/drawing/2014/main" id="{27BC1773-627D-279C-100F-839C958B6D4E}"/>
+              </a:ext>
+            </a:extLst>
+          </p:cNvPr>
+          <p:cNvPicPr>
+            <a:picLocks noChangeAspect="1" noChangeArrowheads="1"/>
+          </p:cNvPicPr>
+          <p:nvPr/>
+        </p:nvPicPr>
+        <p:blipFill rotWithShape="1">
+          <a:blip r:embed="rId2">
+            <a:extLst>
+              <a:ext uri="{28A0092B-C50C-407E-A947-70E740481C1C}">
+                <a14:useLocalDpi xmlns:a14="http://schemas.microsoft.com/office/drawing/2010/main" val="0"/>
+              </a:ext>
+            </a:extLst>
+          </a:blip>
+          <a:srcRect t="50000"/>
+          <a:stretch/>
+        </p:blipFill>
+        <p:spPr bwMode="auto">
+          <a:xfrm>
+            <a:off x="-130629" y="3428999"/>
+            <a:ext cx="12453258" cy="3735977"/>
+          </a:xfrm>
+          <a:prstGeom prst="rect">
+            <a:avLst/>
+          </a:prstGeom>
+          <a:noFill/>
+          <a:extLst>
+            <a:ext uri="{909E8E84-426E-40DD-AFC4-6F175D3DCCD1}">
+              <a14:hiddenFill xmlns:a14="http://schemas.microsoft.com/office/drawing/2010/main">
                 <a:solidFill>
-                  <a:schemeClr val="tx1"/>
+                  <a:srgbClr val="FFFFFF"/>
                 </a:solidFill>
-                <a:latin typeface="+mn-lt"/>
-                <a:ea typeface="+mn-ea"/>
-                <a:cs typeface="+mn-cs"/>
-              </a:defRPr>
-            </a:lvl1pPr>
-            <a:lvl2pPr marL="274320" indent="0" algn="l" defTabSz="914400" rtl="0" eaLnBrk="1" latinLnBrk="0" hangingPunct="1">
-              <a:lnSpc>
-                <a:spcPct val="120000"/>
-              </a:lnSpc>
-              <a:spcBef>
-                <a:spcPts val="500"/>
-              </a:spcBef>
-              <a:buFontTx/>
-              <a:buNone/>
-              <a:defRPr sz="1600" b="1" kern="1200">
-                <a:solidFill>
-                  <a:schemeClr val="tx1"/>
-                </a:solidFill>
-                <a:latin typeface="+mn-lt"/>
-                <a:ea typeface="+mn-ea"/>
-                <a:cs typeface="+mn-cs"/>
-              </a:defRPr>
-            </a:lvl2pPr>
-            <a:lvl3pPr marL="548640" indent="-228600" algn="l" defTabSz="914400" rtl="0" eaLnBrk="1" latinLnBrk="0" hangingPunct="1">
-              <a:lnSpc>
-                <a:spcPct val="120000"/>
-              </a:lnSpc>
-              <a:spcBef>
-                <a:spcPts val="500"/>
-              </a:spcBef>
-              <a:buFont typeface="Arial" panose="020B0604020202020204" pitchFamily="34" charset="0"/>
-              <a:buChar char="•"/>
-              <a:defRPr sz="1400" kern="1200">
-                <a:solidFill>
-                  <a:schemeClr val="tx1"/>
-                </a:solidFill>
-                <a:latin typeface="+mn-lt"/>
-                <a:ea typeface="+mn-ea"/>
-                <a:cs typeface="+mn-cs"/>
-              </a:defRPr>
-            </a:lvl3pPr>
-            <a:lvl4pPr marL="594360" indent="0" algn="l" defTabSz="914400" rtl="0" eaLnBrk="1" latinLnBrk="0" hangingPunct="1">
-              <a:lnSpc>
-                <a:spcPct val="120000"/>
-              </a:lnSpc>
-              <a:spcBef>
-                <a:spcPts val="500"/>
-              </a:spcBef>
-              <a:buFontTx/>
-              <a:buNone/>
-              <a:defRPr sz="1200" b="1" kern="1200">
-                <a:solidFill>
-                  <a:schemeClr val="tx1"/>
-                </a:solidFill>
-                <a:latin typeface="+mn-lt"/>
-                <a:ea typeface="+mn-ea"/>
-                <a:cs typeface="+mn-cs"/>
-              </a:defRPr>
-            </a:lvl4pPr>
-            <a:lvl5pPr marL="822960" indent="-228600" algn="l" defTabSz="914400" rtl="0" eaLnBrk="1" latinLnBrk="0" hangingPunct="1">
-              <a:lnSpc>
-                <a:spcPct val="120000"/>
-              </a:lnSpc>
-              <a:spcBef>
-                <a:spcPts val="500"/>
-              </a:spcBef>
-              <a:buFont typeface="Arial" panose="020B0604020202020204" pitchFamily="34" charset="0"/>
-              <a:buChar char="•"/>
-              <a:defRPr sz="1200" kern="1200">
-                <a:solidFill>
-                  <a:schemeClr val="tx1"/>
-                </a:solidFill>
-                <a:latin typeface="+mn-lt"/>
-                <a:ea typeface="+mn-ea"/>
-                <a:cs typeface="+mn-cs"/>
-              </a:defRPr>
-            </a:lvl5pPr>
-            <a:lvl6pPr marL="2514600" indent="-228600" algn="l" defTabSz="914400" rtl="0" eaLnBrk="1" latinLnBrk="0" hangingPunct="1">
-              <a:lnSpc>
-                <a:spcPct val="90000"/>
-              </a:lnSpc>
-              <a:spcBef>
-                <a:spcPts val="500"/>
-              </a:spcBef>
-              <a:buFont typeface="Arial" panose="020B0604020202020204" pitchFamily="34" charset="0"/>
-              <a:buChar char="•"/>
-              <a:defRPr sz="1800" kern="1200">
-                <a:solidFill>
-                  <a:schemeClr val="tx1"/>
-                </a:solidFill>
-                <a:latin typeface="+mn-lt"/>
-                <a:ea typeface="+mn-ea"/>
-                <a:cs typeface="+mn-cs"/>
-              </a:defRPr>
-            </a:lvl6pPr>
-            <a:lvl7pPr marL="2971800" indent="-228600" algn="l" defTabSz="914400" rtl="0" eaLnBrk="1" latinLnBrk="0" hangingPunct="1">
-              <a:lnSpc>
-                <a:spcPct val="90000"/>
-              </a:lnSpc>
-              <a:spcBef>
-                <a:spcPts val="500"/>
-              </a:spcBef>
-              <a:buFont typeface="Arial" panose="020B0604020202020204" pitchFamily="34" charset="0"/>
-              <a:buChar char="•"/>
-              <a:defRPr sz="1800" kern="1200">
-                <a:solidFill>
-                  <a:schemeClr val="tx1"/>
-                </a:solidFill>
-                <a:latin typeface="+mn-lt"/>
-                <a:ea typeface="+mn-ea"/>
-                <a:cs typeface="+mn-cs"/>
-              </a:defRPr>
-            </a:lvl7pPr>
-            <a:lvl8pPr marL="3429000" indent="-228600" algn="l" defTabSz="914400" rtl="0" eaLnBrk="1" latinLnBrk="0" hangingPunct="1">
-              <a:lnSpc>
-                <a:spcPct val="90000"/>
-              </a:lnSpc>
-              <a:spcBef>
-                <a:spcPts val="500"/>
-              </a:spcBef>
-              <a:buFont typeface="Arial" panose="020B0604020202020204" pitchFamily="34" charset="0"/>
-              <a:buChar char="•"/>
-              <a:defRPr sz="1800" kern="1200">
-                <a:solidFill>
-                  <a:schemeClr val="tx1"/>
-                </a:solidFill>
-                <a:latin typeface="+mn-lt"/>
-                <a:ea typeface="+mn-ea"/>
-                <a:cs typeface="+mn-cs"/>
-              </a:defRPr>
-            </a:lvl8pPr>
-            <a:lvl9pPr marL="3886200" indent="-228600" algn="l" defTabSz="914400" rtl="0" eaLnBrk="1" latinLnBrk="0" hangingPunct="1">
-              <a:lnSpc>
-                <a:spcPct val="90000"/>
-              </a:lnSpc>
-              <a:spcBef>
-                <a:spcPts val="500"/>
-              </a:spcBef>
-              <a:buFont typeface="Arial" panose="020B0604020202020204" pitchFamily="34" charset="0"/>
-              <a:buChar char="•"/>
-              <a:defRPr sz="1800" kern="1200">
-                <a:solidFill>
-                  <a:schemeClr val="tx1"/>
-                </a:solidFill>
-                <a:latin typeface="+mn-lt"/>
-                <a:ea typeface="+mn-ea"/>
-                <a:cs typeface="+mn-cs"/>
-              </a:defRPr>
-            </a:lvl9pPr>
-          </a:lstStyle>
-          <a:p>
-            <a:pPr marL="0" indent="0">
-              <a:buNone/>
-            </a:pPr>
-            <a:r>
-              <a:rPr lang="pt-BR" sz="2800" dirty="0"/>
-              <a:t>3. Como a equipe organizou o trabalho? Houve etapas definidas de planejamento e execução? Geraram protótipos ou esquemas intermediários?</a:t>
-            </a:r>
-          </a:p>
-          <a:p>
-            <a:pPr marL="0" indent="0">
-              <a:buNone/>
-            </a:pPr>
-            <a:endParaRPr lang="pt-BR" sz="2800" dirty="0"/>
-          </a:p>
-          <a:p>
-            <a:pPr marL="0" indent="0">
-              <a:buNone/>
-            </a:pPr>
-            <a:r>
-              <a:rPr lang="pt-BR" sz="2800" dirty="0"/>
-              <a:t>4. Como foi o relacionamento da equipe? Todos participaram? Teve um líder?</a:t>
-            </a:r>
-          </a:p>
-        </p:txBody>
-      </p:sp>
+              </a14:hiddenFill>
+            </a:ext>
+          </a:extLst>
+        </p:spPr>
+      </p:pic>
     </p:spTree>
     <p:extLst>
       <p:ext uri="{BB962C8B-B14F-4D97-AF65-F5344CB8AC3E}">
-        <p14:creationId xmlns:p14="http://schemas.microsoft.com/office/powerpoint/2010/main" val="1793423775"/>
+        <p14:creationId xmlns:p14="http://schemas.microsoft.com/office/powerpoint/2010/main" val="229463502"/>
+      </p:ext>
+    </p:extLst>
+  </p:cSld>
+  <p:clrMapOvr>
+    <a:masterClrMapping/>
+  </p:clrMapOvr>
+</p:sld>
+</file>
+
+<file path=ppt/slides/slide5.xml><?xml version="1.0" encoding="utf-8"?>
+<p:sld xmlns:a="http://schemas.openxmlformats.org/drawingml/2006/main" xmlns:r="http://schemas.openxmlformats.org/officeDocument/2006/relationships" xmlns:p="http://schemas.openxmlformats.org/presentationml/2006/main">
+  <p:cSld>
+    <p:spTree>
+      <p:nvGrpSpPr>
+        <p:cNvPr id="1" name=""/>
+        <p:cNvGrpSpPr/>
+        <p:nvPr/>
+      </p:nvGrpSpPr>
+      <p:grpSpPr>
+        <a:xfrm>
+          <a:off x="0" y="0"/>
+          <a:ext cx="0" cy="0"/>
+          <a:chOff x="0" y="0"/>
+          <a:chExt cx="0" cy="0"/>
+        </a:xfrm>
+      </p:grpSpPr>
+      <mc:AlternateContent xmlns:mc="http://schemas.openxmlformats.org/markup-compatibility/2006">
+        <mc:Choice xmlns:pslz="http://schemas.microsoft.com/office/powerpoint/2016/slidezoom" Requires="pslz">
+          <p:graphicFrame>
+            <p:nvGraphicFramePr>
+              <p:cNvPr id="37" name="Zoom de Slide 36">
+                <a:extLst>
+                  <a:ext uri="{FF2B5EF4-FFF2-40B4-BE49-F238E27FC236}">
+                    <a16:creationId xmlns:a16="http://schemas.microsoft.com/office/drawing/2014/main" id="{485A0AE6-7920-F01B-E1F6-73E20BDD974C}"/>
+                  </a:ext>
+                </a:extLst>
+              </p:cNvPr>
+              <p:cNvGraphicFramePr>
+                <a:graphicFrameLocks noChangeAspect="1"/>
+              </p:cNvGraphicFramePr>
+              <p:nvPr>
+                <p:extLst>
+                  <p:ext uri="{D42A27DB-BD31-4B8C-83A1-F6EECF244321}">
+                    <p14:modId xmlns:p14="http://schemas.microsoft.com/office/powerpoint/2010/main" val="3243946477"/>
+                  </p:ext>
+                </p:extLst>
+              </p:nvPr>
+            </p:nvGraphicFramePr>
+            <p:xfrm>
+              <a:off x="821735" y="2921314"/>
+              <a:ext cx="1639348" cy="922133"/>
+            </p:xfrm>
+            <a:graphic>
+              <a:graphicData uri="http://schemas.microsoft.com/office/powerpoint/2016/slidezoom">
+                <pslz:sldZm>
+                  <pslz:sldZmObj sldId="259" cId="3356647982">
+                    <pslz:zmPr id="{ACB7EF8C-79F6-4532-B1D9-43F38B40AC4E}" returnToParent="0" transitionDur="1000">
+                      <p166:blipFill xmlns:p166="http://schemas.microsoft.com/office/powerpoint/2016/6/main">
+                        <a:blip r:embed="rId2"/>
+                        <a:stretch>
+                          <a:fillRect/>
+                        </a:stretch>
+                      </p166:blipFill>
+                      <p166:spPr xmlns:p166="http://schemas.microsoft.com/office/powerpoint/2016/6/main">
+                        <a:xfrm>
+                          <a:off x="0" y="0"/>
+                          <a:ext cx="1639348" cy="922133"/>
+                        </a:xfrm>
+                        <a:prstGeom prst="rect">
+                          <a:avLst/>
+                        </a:prstGeom>
+                        <a:ln w="3175">
+                          <a:solidFill>
+                            <a:prstClr val="ltGray"/>
+                          </a:solidFill>
+                        </a:ln>
+                      </p166:spPr>
+                    </pslz:zmPr>
+                  </pslz:sldZmObj>
+                </pslz:sldZm>
+              </a:graphicData>
+            </a:graphic>
+          </p:graphicFrame>
+        </mc:Choice>
+        <mc:Fallback>
+          <p:pic>
+            <p:nvPicPr>
+              <p:cNvPr id="37" name="Zoom de Slide 36">
+                <a:hlinkClick r:id="rId3" action="ppaction://hlinksldjump"/>
+                <a:extLst>
+                  <a:ext uri="{FF2B5EF4-FFF2-40B4-BE49-F238E27FC236}">
+                    <a16:creationId xmlns:a16="http://schemas.microsoft.com/office/drawing/2014/main" id="{485A0AE6-7920-F01B-E1F6-73E20BDD974C}"/>
+                  </a:ext>
+                </a:extLst>
+              </p:cNvPr>
+              <p:cNvPicPr>
+                <a:picLocks noGrp="1" noRot="1" noChangeAspect="1" noMove="1" noResize="1" noEditPoints="1" noAdjustHandles="1" noChangeArrowheads="1" noChangeShapeType="1"/>
+              </p:cNvPicPr>
+              <p:nvPr/>
+            </p:nvPicPr>
+            <p:blipFill>
+              <a:blip r:embed="rId2"/>
+              <a:stretch>
+                <a:fillRect/>
+              </a:stretch>
+            </p:blipFill>
+            <p:spPr>
+              <a:xfrm>
+                <a:off x="821735" y="2921314"/>
+                <a:ext cx="1639348" cy="922133"/>
+              </a:xfrm>
+              <a:prstGeom prst="rect">
+                <a:avLst/>
+              </a:prstGeom>
+              <a:ln w="3175">
+                <a:solidFill>
+                  <a:prstClr val="ltGray"/>
+                </a:solidFill>
+              </a:ln>
+            </p:spPr>
+          </p:pic>
+        </mc:Fallback>
+      </mc:AlternateContent>
+      <mc:AlternateContent xmlns:mc="http://schemas.openxmlformats.org/markup-compatibility/2006">
+        <mc:Choice xmlns:pslz="http://schemas.microsoft.com/office/powerpoint/2016/slidezoom" Requires="pslz">
+          <p:graphicFrame>
+            <p:nvGraphicFramePr>
+              <p:cNvPr id="39" name="Zoom de Slide 38">
+                <a:extLst>
+                  <a:ext uri="{FF2B5EF4-FFF2-40B4-BE49-F238E27FC236}">
+                    <a16:creationId xmlns:a16="http://schemas.microsoft.com/office/drawing/2014/main" id="{6B73EB61-00D2-62BC-7542-AA783813896E}"/>
+                  </a:ext>
+                </a:extLst>
+              </p:cNvPr>
+              <p:cNvGraphicFramePr>
+                <a:graphicFrameLocks noChangeAspect="1"/>
+              </p:cNvGraphicFramePr>
+              <p:nvPr>
+                <p:extLst>
+                  <p:ext uri="{D42A27DB-BD31-4B8C-83A1-F6EECF244321}">
+                    <p14:modId xmlns:p14="http://schemas.microsoft.com/office/powerpoint/2010/main" val="2461897830"/>
+                  </p:ext>
+                </p:extLst>
+              </p:nvPr>
+            </p:nvGraphicFramePr>
+            <p:xfrm>
+              <a:off x="3077593" y="2936151"/>
+              <a:ext cx="1639348" cy="922133"/>
+            </p:xfrm>
+            <a:graphic>
+              <a:graphicData uri="http://schemas.microsoft.com/office/powerpoint/2016/slidezoom">
+                <pslz:sldZm>
+                  <pslz:sldZmObj sldId="260" cId="3929302904">
+                    <pslz:zmPr id="{B02EF6EC-F85D-4551-A06A-321960F591ED}" returnToParent="0" transitionDur="1000">
+                      <p166:blipFill xmlns:p166="http://schemas.microsoft.com/office/powerpoint/2016/6/main">
+                        <a:blip r:embed="rId4"/>
+                        <a:stretch>
+                          <a:fillRect/>
+                        </a:stretch>
+                      </p166:blipFill>
+                      <p166:spPr xmlns:p166="http://schemas.microsoft.com/office/powerpoint/2016/6/main">
+                        <a:xfrm>
+                          <a:off x="0" y="0"/>
+                          <a:ext cx="1639348" cy="922133"/>
+                        </a:xfrm>
+                        <a:prstGeom prst="rect">
+                          <a:avLst/>
+                        </a:prstGeom>
+                        <a:ln w="3175">
+                          <a:solidFill>
+                            <a:prstClr val="ltGray"/>
+                          </a:solidFill>
+                        </a:ln>
+                      </p166:spPr>
+                    </pslz:zmPr>
+                  </pslz:sldZmObj>
+                </pslz:sldZm>
+              </a:graphicData>
+            </a:graphic>
+          </p:graphicFrame>
+        </mc:Choice>
+        <mc:Fallback>
+          <p:pic>
+            <p:nvPicPr>
+              <p:cNvPr id="39" name="Zoom de Slide 38">
+                <a:hlinkClick r:id="rId5" action="ppaction://hlinksldjump"/>
+                <a:extLst>
+                  <a:ext uri="{FF2B5EF4-FFF2-40B4-BE49-F238E27FC236}">
+                    <a16:creationId xmlns:a16="http://schemas.microsoft.com/office/drawing/2014/main" id="{6B73EB61-00D2-62BC-7542-AA783813896E}"/>
+                  </a:ext>
+                </a:extLst>
+              </p:cNvPr>
+              <p:cNvPicPr>
+                <a:picLocks noGrp="1" noRot="1" noChangeAspect="1" noMove="1" noResize="1" noEditPoints="1" noAdjustHandles="1" noChangeArrowheads="1" noChangeShapeType="1"/>
+              </p:cNvPicPr>
+              <p:nvPr/>
+            </p:nvPicPr>
+            <p:blipFill>
+              <a:blip r:embed="rId4"/>
+              <a:stretch>
+                <a:fillRect/>
+              </a:stretch>
+            </p:blipFill>
+            <p:spPr>
+              <a:xfrm>
+                <a:off x="3077593" y="2936151"/>
+                <a:ext cx="1639348" cy="922133"/>
+              </a:xfrm>
+              <a:prstGeom prst="rect">
+                <a:avLst/>
+              </a:prstGeom>
+              <a:ln w="3175">
+                <a:solidFill>
+                  <a:prstClr val="ltGray"/>
+                </a:solidFill>
+              </a:ln>
+            </p:spPr>
+          </p:pic>
+        </mc:Fallback>
+      </mc:AlternateContent>
+      <mc:AlternateContent xmlns:mc="http://schemas.openxmlformats.org/markup-compatibility/2006">
+        <mc:Choice xmlns:pslz="http://schemas.microsoft.com/office/powerpoint/2016/slidezoom" Requires="pslz">
+          <p:graphicFrame>
+            <p:nvGraphicFramePr>
+              <p:cNvPr id="41" name="Zoom de Slide 40">
+                <a:extLst>
+                  <a:ext uri="{FF2B5EF4-FFF2-40B4-BE49-F238E27FC236}">
+                    <a16:creationId xmlns:a16="http://schemas.microsoft.com/office/drawing/2014/main" id="{82756BEB-1826-D7A6-C963-8153C4769DED}"/>
+                  </a:ext>
+                </a:extLst>
+              </p:cNvPr>
+              <p:cNvGraphicFramePr>
+                <a:graphicFrameLocks noChangeAspect="1"/>
+              </p:cNvGraphicFramePr>
+              <p:nvPr>
+                <p:extLst>
+                  <p:ext uri="{D42A27DB-BD31-4B8C-83A1-F6EECF244321}">
+                    <p14:modId xmlns:p14="http://schemas.microsoft.com/office/powerpoint/2010/main" val="3909508623"/>
+                  </p:ext>
+                </p:extLst>
+              </p:nvPr>
+            </p:nvGraphicFramePr>
+            <p:xfrm>
+              <a:off x="5276326" y="2936151"/>
+              <a:ext cx="1639348" cy="922133"/>
+            </p:xfrm>
+            <a:graphic>
+              <a:graphicData uri="http://schemas.microsoft.com/office/powerpoint/2016/slidezoom">
+                <pslz:sldZm>
+                  <pslz:sldZmObj sldId="261" cId="3183252946">
+                    <pslz:zmPr id="{A8A44254-B7FE-43F9-B798-E853FC845F1D}" returnToParent="0" transitionDur="1000">
+                      <p166:blipFill xmlns:p166="http://schemas.microsoft.com/office/powerpoint/2016/6/main">
+                        <a:blip r:embed="rId6"/>
+                        <a:stretch>
+                          <a:fillRect/>
+                        </a:stretch>
+                      </p166:blipFill>
+                      <p166:spPr xmlns:p166="http://schemas.microsoft.com/office/powerpoint/2016/6/main">
+                        <a:xfrm>
+                          <a:off x="0" y="0"/>
+                          <a:ext cx="1639348" cy="922133"/>
+                        </a:xfrm>
+                        <a:prstGeom prst="rect">
+                          <a:avLst/>
+                        </a:prstGeom>
+                        <a:ln w="3175">
+                          <a:solidFill>
+                            <a:prstClr val="ltGray"/>
+                          </a:solidFill>
+                        </a:ln>
+                      </p166:spPr>
+                    </pslz:zmPr>
+                  </pslz:sldZmObj>
+                </pslz:sldZm>
+              </a:graphicData>
+            </a:graphic>
+          </p:graphicFrame>
+        </mc:Choice>
+        <mc:Fallback>
+          <p:pic>
+            <p:nvPicPr>
+              <p:cNvPr id="41" name="Zoom de Slide 40">
+                <a:hlinkClick r:id="rId7" action="ppaction://hlinksldjump"/>
+                <a:extLst>
+                  <a:ext uri="{FF2B5EF4-FFF2-40B4-BE49-F238E27FC236}">
+                    <a16:creationId xmlns:a16="http://schemas.microsoft.com/office/drawing/2014/main" id="{82756BEB-1826-D7A6-C963-8153C4769DED}"/>
+                  </a:ext>
+                </a:extLst>
+              </p:cNvPr>
+              <p:cNvPicPr>
+                <a:picLocks noGrp="1" noRot="1" noChangeAspect="1" noMove="1" noResize="1" noEditPoints="1" noAdjustHandles="1" noChangeArrowheads="1" noChangeShapeType="1"/>
+              </p:cNvPicPr>
+              <p:nvPr/>
+            </p:nvPicPr>
+            <p:blipFill>
+              <a:blip r:embed="rId6"/>
+              <a:stretch>
+                <a:fillRect/>
+              </a:stretch>
+            </p:blipFill>
+            <p:spPr>
+              <a:xfrm>
+                <a:off x="5276326" y="2936151"/>
+                <a:ext cx="1639348" cy="922133"/>
+              </a:xfrm>
+              <a:prstGeom prst="rect">
+                <a:avLst/>
+              </a:prstGeom>
+              <a:ln w="3175">
+                <a:solidFill>
+                  <a:prstClr val="ltGray"/>
+                </a:solidFill>
+              </a:ln>
+            </p:spPr>
+          </p:pic>
+        </mc:Fallback>
+      </mc:AlternateContent>
+      <mc:AlternateContent xmlns:mc="http://schemas.openxmlformats.org/markup-compatibility/2006">
+        <mc:Choice xmlns:pslz="http://schemas.microsoft.com/office/powerpoint/2016/slidezoom" Requires="pslz">
+          <p:graphicFrame>
+            <p:nvGraphicFramePr>
+              <p:cNvPr id="43" name="Zoom de Slide 42">
+                <a:extLst>
+                  <a:ext uri="{FF2B5EF4-FFF2-40B4-BE49-F238E27FC236}">
+                    <a16:creationId xmlns:a16="http://schemas.microsoft.com/office/drawing/2014/main" id="{64591411-FE46-4D29-B22A-6985DECCA770}"/>
+                  </a:ext>
+                </a:extLst>
+              </p:cNvPr>
+              <p:cNvGraphicFramePr>
+                <a:graphicFrameLocks noChangeAspect="1"/>
+              </p:cNvGraphicFramePr>
+              <p:nvPr>
+                <p:extLst>
+                  <p:ext uri="{D42A27DB-BD31-4B8C-83A1-F6EECF244321}">
+                    <p14:modId xmlns:p14="http://schemas.microsoft.com/office/powerpoint/2010/main" val="825191515"/>
+                  </p:ext>
+                </p:extLst>
+              </p:nvPr>
+            </p:nvGraphicFramePr>
+            <p:xfrm>
+              <a:off x="7532184" y="2978497"/>
+              <a:ext cx="1639348" cy="922133"/>
+            </p:xfrm>
+            <a:graphic>
+              <a:graphicData uri="http://schemas.microsoft.com/office/powerpoint/2016/slidezoom">
+                <pslz:sldZm>
+                  <pslz:sldZmObj sldId="262" cId="327670633">
+                    <pslz:zmPr id="{F6084EF9-4CF4-408A-8256-352F78D2DC52}" returnToParent="0" transitionDur="1000">
+                      <p166:blipFill xmlns:p166="http://schemas.microsoft.com/office/powerpoint/2016/6/main">
+                        <a:blip r:embed="rId8"/>
+                        <a:stretch>
+                          <a:fillRect/>
+                        </a:stretch>
+                      </p166:blipFill>
+                      <p166:spPr xmlns:p166="http://schemas.microsoft.com/office/powerpoint/2016/6/main">
+                        <a:xfrm>
+                          <a:off x="0" y="0"/>
+                          <a:ext cx="1639348" cy="922133"/>
+                        </a:xfrm>
+                        <a:prstGeom prst="rect">
+                          <a:avLst/>
+                        </a:prstGeom>
+                        <a:ln w="3175">
+                          <a:solidFill>
+                            <a:prstClr val="ltGray"/>
+                          </a:solidFill>
+                        </a:ln>
+                      </p166:spPr>
+                    </pslz:zmPr>
+                  </pslz:sldZmObj>
+                </pslz:sldZm>
+              </a:graphicData>
+            </a:graphic>
+          </p:graphicFrame>
+        </mc:Choice>
+        <mc:Fallback>
+          <p:pic>
+            <p:nvPicPr>
+              <p:cNvPr id="43" name="Zoom de Slide 42">
+                <a:hlinkClick r:id="rId9" action="ppaction://hlinksldjump"/>
+                <a:extLst>
+                  <a:ext uri="{FF2B5EF4-FFF2-40B4-BE49-F238E27FC236}">
+                    <a16:creationId xmlns:a16="http://schemas.microsoft.com/office/drawing/2014/main" id="{64591411-FE46-4D29-B22A-6985DECCA770}"/>
+                  </a:ext>
+                </a:extLst>
+              </p:cNvPr>
+              <p:cNvPicPr>
+                <a:picLocks noGrp="1" noRot="1" noChangeAspect="1" noMove="1" noResize="1" noEditPoints="1" noAdjustHandles="1" noChangeArrowheads="1" noChangeShapeType="1"/>
+              </p:cNvPicPr>
+              <p:nvPr/>
+            </p:nvPicPr>
+            <p:blipFill>
+              <a:blip r:embed="rId8"/>
+              <a:stretch>
+                <a:fillRect/>
+              </a:stretch>
+            </p:blipFill>
+            <p:spPr>
+              <a:xfrm>
+                <a:off x="7532184" y="2978497"/>
+                <a:ext cx="1639348" cy="922133"/>
+              </a:xfrm>
+              <a:prstGeom prst="rect">
+                <a:avLst/>
+              </a:prstGeom>
+              <a:ln w="3175">
+                <a:solidFill>
+                  <a:prstClr val="ltGray"/>
+                </a:solidFill>
+              </a:ln>
+            </p:spPr>
+          </p:pic>
+        </mc:Fallback>
+      </mc:AlternateContent>
+      <mc:AlternateContent xmlns:mc="http://schemas.openxmlformats.org/markup-compatibility/2006">
+        <mc:Choice xmlns:pslz="http://schemas.microsoft.com/office/powerpoint/2016/slidezoom" Requires="pslz">
+          <p:graphicFrame>
+            <p:nvGraphicFramePr>
+              <p:cNvPr id="45" name="Zoom de Slide 44">
+                <a:extLst>
+                  <a:ext uri="{FF2B5EF4-FFF2-40B4-BE49-F238E27FC236}">
+                    <a16:creationId xmlns:a16="http://schemas.microsoft.com/office/drawing/2014/main" id="{D68AAE82-4939-9B0D-896D-DA4D8130A8D0}"/>
+                  </a:ext>
+                </a:extLst>
+              </p:cNvPr>
+              <p:cNvGraphicFramePr>
+                <a:graphicFrameLocks noChangeAspect="1"/>
+              </p:cNvGraphicFramePr>
+              <p:nvPr>
+                <p:extLst>
+                  <p:ext uri="{D42A27DB-BD31-4B8C-83A1-F6EECF244321}">
+                    <p14:modId xmlns:p14="http://schemas.microsoft.com/office/powerpoint/2010/main" val="783593175"/>
+                  </p:ext>
+                </p:extLst>
+              </p:nvPr>
+            </p:nvGraphicFramePr>
+            <p:xfrm>
+              <a:off x="9694165" y="2978497"/>
+              <a:ext cx="1639348" cy="922133"/>
+            </p:xfrm>
+            <a:graphic>
+              <a:graphicData uri="http://schemas.microsoft.com/office/powerpoint/2016/slidezoom">
+                <pslz:sldZm>
+                  <pslz:sldZmObj sldId="263" cId="22241259">
+                    <pslz:zmPr id="{257429DB-113C-433B-9AAD-8B763079493D}" returnToParent="0" transitionDur="1000">
+                      <p166:blipFill xmlns:p166="http://schemas.microsoft.com/office/powerpoint/2016/6/main">
+                        <a:blip r:embed="rId10"/>
+                        <a:stretch>
+                          <a:fillRect/>
+                        </a:stretch>
+                      </p166:blipFill>
+                      <p166:spPr xmlns:p166="http://schemas.microsoft.com/office/powerpoint/2016/6/main">
+                        <a:xfrm>
+                          <a:off x="0" y="0"/>
+                          <a:ext cx="1639348" cy="922133"/>
+                        </a:xfrm>
+                        <a:prstGeom prst="rect">
+                          <a:avLst/>
+                        </a:prstGeom>
+                        <a:ln w="3175">
+                          <a:solidFill>
+                            <a:prstClr val="ltGray"/>
+                          </a:solidFill>
+                        </a:ln>
+                      </p166:spPr>
+                    </pslz:zmPr>
+                  </pslz:sldZmObj>
+                </pslz:sldZm>
+              </a:graphicData>
+            </a:graphic>
+          </p:graphicFrame>
+        </mc:Choice>
+        <mc:Fallback>
+          <p:pic>
+            <p:nvPicPr>
+              <p:cNvPr id="45" name="Zoom de Slide 44">
+                <a:hlinkClick r:id="rId11" action="ppaction://hlinksldjump"/>
+                <a:extLst>
+                  <a:ext uri="{FF2B5EF4-FFF2-40B4-BE49-F238E27FC236}">
+                    <a16:creationId xmlns:a16="http://schemas.microsoft.com/office/drawing/2014/main" id="{D68AAE82-4939-9B0D-896D-DA4D8130A8D0}"/>
+                  </a:ext>
+                </a:extLst>
+              </p:cNvPr>
+              <p:cNvPicPr>
+                <a:picLocks noGrp="1" noRot="1" noChangeAspect="1" noMove="1" noResize="1" noEditPoints="1" noAdjustHandles="1" noChangeArrowheads="1" noChangeShapeType="1"/>
+              </p:cNvPicPr>
+              <p:nvPr/>
+            </p:nvPicPr>
+            <p:blipFill>
+              <a:blip r:embed="rId10"/>
+              <a:stretch>
+                <a:fillRect/>
+              </a:stretch>
+            </p:blipFill>
+            <p:spPr>
+              <a:xfrm>
+                <a:off x="9694165" y="2978497"/>
+                <a:ext cx="1639348" cy="922133"/>
+              </a:xfrm>
+              <a:prstGeom prst="rect">
+                <a:avLst/>
+              </a:prstGeom>
+              <a:ln w="3175">
+                <a:solidFill>
+                  <a:prstClr val="ltGray"/>
+                </a:solidFill>
+              </a:ln>
+            </p:spPr>
+          </p:pic>
+        </mc:Fallback>
+      </mc:AlternateContent>
+      <p:pic>
+        <p:nvPicPr>
+          <p:cNvPr id="3" name="Picture 2" descr="Understanding Desired Business Outcomes and KPIs Is A Must - Middlesex ...">
+            <a:extLst>
+              <a:ext uri="{FF2B5EF4-FFF2-40B4-BE49-F238E27FC236}">
+                <a16:creationId xmlns:a16="http://schemas.microsoft.com/office/drawing/2014/main" id="{5B87A6E0-DFC2-8843-FB3C-4BBB88D49569}"/>
+              </a:ext>
+            </a:extLst>
+          </p:cNvPr>
+          <p:cNvPicPr>
+            <a:picLocks noChangeAspect="1" noChangeArrowheads="1"/>
+          </p:cNvPicPr>
+          <p:nvPr/>
+        </p:nvPicPr>
+        <p:blipFill rotWithShape="1">
+          <a:blip r:embed="rId12">
+            <a:extLst>
+              <a:ext uri="{28A0092B-C50C-407E-A947-70E740481C1C}">
+                <a14:useLocalDpi xmlns:a14="http://schemas.microsoft.com/office/drawing/2010/main" val="0"/>
+              </a:ext>
+            </a:extLst>
+          </a:blip>
+          <a:srcRect b="50000"/>
+          <a:stretch/>
+        </p:blipFill>
+        <p:spPr bwMode="auto">
+          <a:xfrm>
+            <a:off x="-130629" y="-1268870"/>
+            <a:ext cx="12453258" cy="3735976"/>
+          </a:xfrm>
+          <a:prstGeom prst="rect">
+            <a:avLst/>
+          </a:prstGeom>
+          <a:noFill/>
+          <a:extLst>
+            <a:ext uri="{909E8E84-426E-40DD-AFC4-6F175D3DCCD1}">
+              <a14:hiddenFill xmlns:a14="http://schemas.microsoft.com/office/drawing/2010/main">
+                <a:solidFill>
+                  <a:srgbClr val="FFFFFF"/>
+                </a:solidFill>
+              </a14:hiddenFill>
+            </a:ext>
+          </a:extLst>
+        </p:spPr>
+      </p:pic>
+      <p:pic>
+        <p:nvPicPr>
+          <p:cNvPr id="4" name="Picture 2" descr="Understanding Desired Business Outcomes and KPIs Is A Must - Middlesex ...">
+            <a:extLst>
+              <a:ext uri="{FF2B5EF4-FFF2-40B4-BE49-F238E27FC236}">
+                <a16:creationId xmlns:a16="http://schemas.microsoft.com/office/drawing/2014/main" id="{5312281E-5B73-04D3-A19F-18641290DC23}"/>
+              </a:ext>
+            </a:extLst>
+          </p:cNvPr>
+          <p:cNvPicPr>
+            <a:picLocks noChangeAspect="1" noChangeArrowheads="1"/>
+          </p:cNvPicPr>
+          <p:nvPr/>
+        </p:nvPicPr>
+        <p:blipFill rotWithShape="1">
+          <a:blip r:embed="rId12">
+            <a:extLst>
+              <a:ext uri="{28A0092B-C50C-407E-A947-70E740481C1C}">
+                <a14:useLocalDpi xmlns:a14="http://schemas.microsoft.com/office/drawing/2010/main" val="0"/>
+              </a:ext>
+            </a:extLst>
+          </a:blip>
+          <a:srcRect t="50000"/>
+          <a:stretch/>
+        </p:blipFill>
+        <p:spPr bwMode="auto">
+          <a:xfrm>
+            <a:off x="-130629" y="4401457"/>
+            <a:ext cx="12453258" cy="3735977"/>
+          </a:xfrm>
+          <a:prstGeom prst="rect">
+            <a:avLst/>
+          </a:prstGeom>
+          <a:noFill/>
+          <a:extLst>
+            <a:ext uri="{909E8E84-426E-40DD-AFC4-6F175D3DCCD1}">
+              <a14:hiddenFill xmlns:a14="http://schemas.microsoft.com/office/drawing/2010/main">
+                <a:solidFill>
+                  <a:srgbClr val="FFFFFF"/>
+                </a:solidFill>
+              </a14:hiddenFill>
+            </a:ext>
+          </a:extLst>
+        </p:spPr>
+      </p:pic>
+    </p:spTree>
+    <p:extLst>
+      <p:ext uri="{BB962C8B-B14F-4D97-AF65-F5344CB8AC3E}">
+        <p14:creationId xmlns:p14="http://schemas.microsoft.com/office/powerpoint/2010/main" val="1289353385"/>
+      </p:ext>
+    </p:extLst>
+  </p:cSld>
+  <p:clrMapOvr>
+    <a:masterClrMapping/>
+  </p:clrMapOvr>
+  <mc:AlternateContent xmlns:mc="http://schemas.openxmlformats.org/markup-compatibility/2006" xmlns:p159="http://schemas.microsoft.com/office/powerpoint/2015/09/main">
+    <mc:Choice Requires="p159">
+      <p:transition xmlns:p14="http://schemas.microsoft.com/office/powerpoint/2010/main" spd="slow" p14:dur="2000">
+        <p159:morph option="byObject"/>
+      </p:transition>
+    </mc:Choice>
+    <mc:Fallback xmlns="">
+      <p:transition spd="slow">
+        <p:fade/>
+      </p:transition>
+    </mc:Fallback>
+  </mc:AlternateContent>
+</p:sld>
+</file>
+
+<file path=ppt/slides/slide6.xml><?xml version="1.0" encoding="utf-8"?>
+<p:sld xmlns:a="http://schemas.openxmlformats.org/drawingml/2006/main" xmlns:r="http://schemas.openxmlformats.org/officeDocument/2006/relationships" xmlns:p="http://schemas.openxmlformats.org/presentationml/2006/main">
+  <p:cSld>
+    <p:spTree>
+      <p:nvGrpSpPr>
+        <p:cNvPr id="1" name=""/>
+        <p:cNvGrpSpPr/>
+        <p:nvPr/>
+      </p:nvGrpSpPr>
+      <p:grpSpPr>
+        <a:xfrm>
+          <a:off x="0" y="0"/>
+          <a:ext cx="0" cy="0"/>
+          <a:chOff x="0" y="0"/>
+          <a:chExt cx="0" cy="0"/>
+        </a:xfrm>
+      </p:grpSpPr>
+      <p:sp>
+        <p:nvSpPr>
+          <p:cNvPr id="3" name="CaixaDeTexto 2">
+            <a:extLst>
+              <a:ext uri="{FF2B5EF4-FFF2-40B4-BE49-F238E27FC236}">
+                <a16:creationId xmlns:a16="http://schemas.microsoft.com/office/drawing/2014/main" id="{C1328C8D-C507-1A52-B82C-CD0438DFF5E9}"/>
+              </a:ext>
+            </a:extLst>
+          </p:cNvPr>
+          <p:cNvSpPr txBox="1"/>
+          <p:nvPr/>
+        </p:nvSpPr>
+        <p:spPr>
+          <a:xfrm>
+            <a:off x="8271433" y="-1348627"/>
+            <a:ext cx="5473595" cy="9248686"/>
+          </a:xfrm>
+          <a:prstGeom prst="rect">
+            <a:avLst/>
+          </a:prstGeom>
+          <a:noFill/>
+        </p:spPr>
+        <p:txBody>
+          <a:bodyPr wrap="square" rtlCol="0">
+            <a:spAutoFit/>
+          </a:bodyPr>
+          <a:lstStyle/>
+          <a:p>
+            <a:r>
+              <a:rPr lang="pt-BR" sz="59500" dirty="0">
+                <a:solidFill>
+                  <a:srgbClr val="F5BB1B">
+                    <a:alpha val="30000"/>
+                  </a:srgbClr>
+                </a:solidFill>
+                <a:latin typeface="Algerian" panose="04020705040A02060702" pitchFamily="82" charset="0"/>
+              </a:rPr>
+              <a:t>S</a:t>
+            </a:r>
+          </a:p>
+        </p:txBody>
+      </p:sp>
+      <p:sp>
+        <p:nvSpPr>
+          <p:cNvPr id="2" name="Retângulo: Cantos Arredondados 1">
+            <a:extLst>
+              <a:ext uri="{FF2B5EF4-FFF2-40B4-BE49-F238E27FC236}">
+                <a16:creationId xmlns:a16="http://schemas.microsoft.com/office/drawing/2014/main" id="{E8D2D15F-FF3B-6647-918D-EC21CAB929AD}"/>
+              </a:ext>
+            </a:extLst>
+          </p:cNvPr>
+          <p:cNvSpPr/>
+          <p:nvPr/>
+        </p:nvSpPr>
+        <p:spPr>
+          <a:xfrm>
+            <a:off x="941034" y="630315"/>
+            <a:ext cx="4625266" cy="852256"/>
+          </a:xfrm>
+          <a:prstGeom prst="roundRect">
+            <a:avLst/>
+          </a:prstGeom>
+          <a:solidFill>
+            <a:srgbClr val="F5BB1B"/>
+          </a:solidFill>
+          <a:ln>
+            <a:noFill/>
+          </a:ln>
+        </p:spPr>
+        <p:style>
+          <a:lnRef idx="2">
+            <a:schemeClr val="accent1">
+              <a:shade val="15000"/>
+            </a:schemeClr>
+          </a:lnRef>
+          <a:fillRef idx="1">
+            <a:schemeClr val="accent1"/>
+          </a:fillRef>
+          <a:effectRef idx="0">
+            <a:schemeClr val="accent1"/>
+          </a:effectRef>
+          <a:fontRef idx="minor">
+            <a:schemeClr val="lt1"/>
+          </a:fontRef>
+        </p:style>
+        <p:txBody>
+          <a:bodyPr rtlCol="0" anchor="ctr"/>
+          <a:lstStyle/>
+          <a:p>
+            <a:pPr algn="ctr"/>
+            <a:r>
+              <a:rPr lang="pt-BR" sz="3600" b="1" i="0" dirty="0">
+                <a:effectLst/>
+                <a:latin typeface="Söhne"/>
+              </a:rPr>
+              <a:t>Especificidade (S)</a:t>
+            </a:r>
+          </a:p>
+        </p:txBody>
+      </p:sp>
+      <p:sp>
+        <p:nvSpPr>
+          <p:cNvPr id="6" name="CaixaDeTexto 5">
+            <a:extLst>
+              <a:ext uri="{FF2B5EF4-FFF2-40B4-BE49-F238E27FC236}">
+                <a16:creationId xmlns:a16="http://schemas.microsoft.com/office/drawing/2014/main" id="{CB1EDFA3-A0AA-3539-A6E7-C3BF38E6D408}"/>
+              </a:ext>
+            </a:extLst>
+          </p:cNvPr>
+          <p:cNvSpPr txBox="1"/>
+          <p:nvPr/>
+        </p:nvSpPr>
+        <p:spPr>
+          <a:xfrm>
+            <a:off x="941035" y="1857828"/>
+            <a:ext cx="11033252" cy="3970318"/>
+          </a:xfrm>
+          <a:prstGeom prst="rect">
+            <a:avLst/>
+          </a:prstGeom>
+          <a:noFill/>
+        </p:spPr>
+        <p:txBody>
+          <a:bodyPr wrap="square" rtlCol="0">
+            <a:spAutoFit/>
+          </a:bodyPr>
+          <a:lstStyle/>
+          <a:p>
+            <a:r>
+              <a:rPr lang="pt-BR" sz="2800" dirty="0"/>
+              <a:t>Objetivos específicos são claros, concisos e definidos o suficiente para serem compreendidos por todas as partes envolvidas.</a:t>
+            </a:r>
+          </a:p>
+          <a:p>
+            <a:endParaRPr lang="pt-BR" sz="2800" dirty="0"/>
+          </a:p>
+          <a:p>
+            <a:r>
+              <a:rPr lang="pt-BR" sz="2800" dirty="0"/>
+              <a:t>Especificar um objetivo envolve responder a perguntas-chave: </a:t>
+            </a:r>
+          </a:p>
+          <a:p>
+            <a:endParaRPr lang="pt-BR" sz="2800" dirty="0"/>
+          </a:p>
+          <a:p>
+            <a:pPr marL="457200" indent="-457200">
+              <a:buFont typeface="Arial" panose="020B0604020202020204" pitchFamily="34" charset="0"/>
+              <a:buChar char="•"/>
+            </a:pPr>
+            <a:r>
+              <a:rPr lang="pt-BR" sz="2800" dirty="0"/>
+              <a:t>Quem está envolvido? </a:t>
+            </a:r>
+          </a:p>
+          <a:p>
+            <a:pPr marL="457200" indent="-457200">
+              <a:buFont typeface="Arial" panose="020B0604020202020204" pitchFamily="34" charset="0"/>
+              <a:buChar char="•"/>
+            </a:pPr>
+            <a:r>
+              <a:rPr lang="pt-BR" sz="2800" dirty="0"/>
+              <a:t>O que precisa ser alcançado? </a:t>
+            </a:r>
+          </a:p>
+          <a:p>
+            <a:pPr marL="457200" indent="-457200">
+              <a:buFont typeface="Arial" panose="020B0604020202020204" pitchFamily="34" charset="0"/>
+              <a:buChar char="•"/>
+            </a:pPr>
+            <a:r>
+              <a:rPr lang="pt-BR" sz="2800" dirty="0"/>
+              <a:t>Onde ocorrerá? </a:t>
+            </a:r>
+          </a:p>
+          <a:p>
+            <a:pPr marL="457200" indent="-457200">
+              <a:buFont typeface="Arial" panose="020B0604020202020204" pitchFamily="34" charset="0"/>
+              <a:buChar char="•"/>
+            </a:pPr>
+            <a:r>
+              <a:rPr lang="pt-BR" sz="2800" dirty="0"/>
+              <a:t>Qual é a importância do objetivo? </a:t>
+            </a:r>
+          </a:p>
+        </p:txBody>
+      </p:sp>
+    </p:spTree>
+    <p:extLst>
+      <p:ext uri="{BB962C8B-B14F-4D97-AF65-F5344CB8AC3E}">
+        <p14:creationId xmlns:p14="http://schemas.microsoft.com/office/powerpoint/2010/main" val="3356647982"/>
+      </p:ext>
+    </p:extLst>
+  </p:cSld>
+  <p:clrMapOvr>
+    <a:masterClrMapping/>
+  </p:clrMapOvr>
+</p:sld>
+</file>
+
+<file path=ppt/slides/slide7.xml><?xml version="1.0" encoding="utf-8"?>
+<p:sld xmlns:a="http://schemas.openxmlformats.org/drawingml/2006/main" xmlns:r="http://schemas.openxmlformats.org/officeDocument/2006/relationships" xmlns:p="http://schemas.openxmlformats.org/presentationml/2006/main">
+  <p:cSld>
+    <p:spTree>
+      <p:nvGrpSpPr>
+        <p:cNvPr id="1" name=""/>
+        <p:cNvGrpSpPr/>
+        <p:nvPr/>
+      </p:nvGrpSpPr>
+      <p:grpSpPr>
+        <a:xfrm>
+          <a:off x="0" y="0"/>
+          <a:ext cx="0" cy="0"/>
+          <a:chOff x="0" y="0"/>
+          <a:chExt cx="0" cy="0"/>
+        </a:xfrm>
+      </p:grpSpPr>
+      <p:sp>
+        <p:nvSpPr>
+          <p:cNvPr id="3" name="CaixaDeTexto 2">
+            <a:extLst>
+              <a:ext uri="{FF2B5EF4-FFF2-40B4-BE49-F238E27FC236}">
+                <a16:creationId xmlns:a16="http://schemas.microsoft.com/office/drawing/2014/main" id="{C1328C8D-C507-1A52-B82C-CD0438DFF5E9}"/>
+              </a:ext>
+            </a:extLst>
+          </p:cNvPr>
+          <p:cNvSpPr txBox="1"/>
+          <p:nvPr/>
+        </p:nvSpPr>
+        <p:spPr>
+          <a:xfrm>
+            <a:off x="-388473" y="-1348627"/>
+            <a:ext cx="5473595" cy="9248686"/>
+          </a:xfrm>
+          <a:prstGeom prst="rect">
+            <a:avLst/>
+          </a:prstGeom>
+          <a:noFill/>
+        </p:spPr>
+        <p:txBody>
+          <a:bodyPr wrap="square" rtlCol="0">
+            <a:spAutoFit/>
+          </a:bodyPr>
+          <a:lstStyle/>
+          <a:p>
+            <a:r>
+              <a:rPr lang="pt-BR" sz="59500" dirty="0">
+                <a:solidFill>
+                  <a:srgbClr val="F18B39">
+                    <a:alpha val="30000"/>
+                  </a:srgbClr>
+                </a:solidFill>
+                <a:latin typeface="Algerian" panose="04020705040A02060702" pitchFamily="82" charset="0"/>
+              </a:rPr>
+              <a:t>M</a:t>
+            </a:r>
+          </a:p>
+        </p:txBody>
+      </p:sp>
+      <p:sp>
+        <p:nvSpPr>
+          <p:cNvPr id="2" name="Retângulo: Cantos Arredondados 1">
+            <a:extLst>
+              <a:ext uri="{FF2B5EF4-FFF2-40B4-BE49-F238E27FC236}">
+                <a16:creationId xmlns:a16="http://schemas.microsoft.com/office/drawing/2014/main" id="{E8D2D15F-FF3B-6647-918D-EC21CAB929AD}"/>
+              </a:ext>
+            </a:extLst>
+          </p:cNvPr>
+          <p:cNvSpPr/>
+          <p:nvPr/>
+        </p:nvSpPr>
+        <p:spPr>
+          <a:xfrm>
+            <a:off x="941034" y="630315"/>
+            <a:ext cx="4625266" cy="852256"/>
+          </a:xfrm>
+          <a:prstGeom prst="roundRect">
+            <a:avLst/>
+          </a:prstGeom>
+          <a:solidFill>
+            <a:srgbClr val="F18B39"/>
+          </a:solidFill>
+          <a:ln>
+            <a:noFill/>
+          </a:ln>
+        </p:spPr>
+        <p:style>
+          <a:lnRef idx="2">
+            <a:schemeClr val="accent1">
+              <a:shade val="15000"/>
+            </a:schemeClr>
+          </a:lnRef>
+          <a:fillRef idx="1">
+            <a:schemeClr val="accent1"/>
+          </a:fillRef>
+          <a:effectRef idx="0">
+            <a:schemeClr val="accent1"/>
+          </a:effectRef>
+          <a:fontRef idx="minor">
+            <a:schemeClr val="lt1"/>
+          </a:fontRef>
+        </p:style>
+        <p:txBody>
+          <a:bodyPr rtlCol="0" anchor="ctr"/>
+          <a:lstStyle/>
+          <a:p>
+            <a:pPr algn="ctr"/>
+            <a:r>
+              <a:rPr lang="pt-BR" sz="2800" b="1" i="0" dirty="0">
+                <a:effectLst/>
+                <a:latin typeface="Söhne"/>
+              </a:rPr>
+              <a:t>Mensurabilidade (M)</a:t>
+            </a:r>
+          </a:p>
+        </p:txBody>
+      </p:sp>
+      <p:sp>
+        <p:nvSpPr>
+          <p:cNvPr id="6" name="CaixaDeTexto 5">
+            <a:extLst>
+              <a:ext uri="{FF2B5EF4-FFF2-40B4-BE49-F238E27FC236}">
+                <a16:creationId xmlns:a16="http://schemas.microsoft.com/office/drawing/2014/main" id="{CB1EDFA3-A0AA-3539-A6E7-C3BF38E6D408}"/>
+              </a:ext>
+            </a:extLst>
+          </p:cNvPr>
+          <p:cNvSpPr txBox="1"/>
+          <p:nvPr/>
+        </p:nvSpPr>
+        <p:spPr>
+          <a:xfrm>
+            <a:off x="941034" y="1857828"/>
+            <a:ext cx="10830052" cy="3970318"/>
+          </a:xfrm>
+          <a:prstGeom prst="rect">
+            <a:avLst/>
+          </a:prstGeom>
+          <a:noFill/>
+        </p:spPr>
+        <p:txBody>
+          <a:bodyPr wrap="square" rtlCol="0">
+            <a:spAutoFit/>
+          </a:bodyPr>
+          <a:lstStyle/>
+          <a:p>
+            <a:r>
+              <a:rPr lang="pt-BR" sz="2800" dirty="0"/>
+              <a:t>Objetivos mensuráveis são quantificáveis e permitem a avaliação objetiva do progresso.</a:t>
+            </a:r>
+          </a:p>
+          <a:p>
+            <a:endParaRPr lang="pt-BR" sz="2800" dirty="0"/>
+          </a:p>
+          <a:p>
+            <a:r>
+              <a:rPr lang="pt-BR" sz="2800" dirty="0"/>
+              <a:t>Ao definir um objetivo, é fundamental estabelecer critérios mensuráveis. </a:t>
+            </a:r>
+          </a:p>
+          <a:p>
+            <a:endParaRPr lang="pt-BR" sz="2800" dirty="0"/>
+          </a:p>
+          <a:p>
+            <a:r>
+              <a:rPr lang="pt-BR" sz="2800" dirty="0"/>
+              <a:t>Por exemplo, substituir "Melhorar a satisfação do cliente" por "Aumentar a pontuação de satisfação do cliente de 80 para 90 até o final do próximo ano" torna o objetivo mensurável.</a:t>
+            </a:r>
+          </a:p>
+        </p:txBody>
+      </p:sp>
+    </p:spTree>
+    <p:extLst>
+      <p:ext uri="{BB962C8B-B14F-4D97-AF65-F5344CB8AC3E}">
+        <p14:creationId xmlns:p14="http://schemas.microsoft.com/office/powerpoint/2010/main" val="3929302904"/>
+      </p:ext>
+    </p:extLst>
+  </p:cSld>
+  <p:clrMapOvr>
+    <a:masterClrMapping/>
+  </p:clrMapOvr>
+</p:sld>
+</file>
+
+<file path=ppt/slides/slide8.xml><?xml version="1.0" encoding="utf-8"?>
+<p:sld xmlns:a="http://schemas.openxmlformats.org/drawingml/2006/main" xmlns:r="http://schemas.openxmlformats.org/officeDocument/2006/relationships" xmlns:p="http://schemas.openxmlformats.org/presentationml/2006/main">
+  <p:cSld>
+    <p:spTree>
+      <p:nvGrpSpPr>
+        <p:cNvPr id="1" name=""/>
+        <p:cNvGrpSpPr/>
+        <p:nvPr/>
+      </p:nvGrpSpPr>
+      <p:grpSpPr>
+        <a:xfrm>
+          <a:off x="0" y="0"/>
+          <a:ext cx="0" cy="0"/>
+          <a:chOff x="0" y="0"/>
+          <a:chExt cx="0" cy="0"/>
+        </a:xfrm>
+      </p:grpSpPr>
+      <p:sp>
+        <p:nvSpPr>
+          <p:cNvPr id="3" name="CaixaDeTexto 2">
+            <a:extLst>
+              <a:ext uri="{FF2B5EF4-FFF2-40B4-BE49-F238E27FC236}">
+                <a16:creationId xmlns:a16="http://schemas.microsoft.com/office/drawing/2014/main" id="{C1328C8D-C507-1A52-B82C-CD0438DFF5E9}"/>
+              </a:ext>
+            </a:extLst>
+          </p:cNvPr>
+          <p:cNvSpPr txBox="1"/>
+          <p:nvPr/>
+        </p:nvSpPr>
+        <p:spPr>
+          <a:xfrm>
+            <a:off x="7711929" y="-1348627"/>
+            <a:ext cx="5473595" cy="9248686"/>
+          </a:xfrm>
+          <a:prstGeom prst="rect">
+            <a:avLst/>
+          </a:prstGeom>
+          <a:noFill/>
+        </p:spPr>
+        <p:txBody>
+          <a:bodyPr wrap="square" rtlCol="0">
+            <a:spAutoFit/>
+          </a:bodyPr>
+          <a:lstStyle/>
+          <a:p>
+            <a:r>
+              <a:rPr lang="pt-BR" sz="59500" dirty="0">
+                <a:solidFill>
+                  <a:srgbClr val="30AE77">
+                    <a:alpha val="30000"/>
+                  </a:srgbClr>
+                </a:solidFill>
+                <a:latin typeface="Algerian" panose="04020705040A02060702" pitchFamily="82" charset="0"/>
+              </a:rPr>
+              <a:t>A</a:t>
+            </a:r>
+          </a:p>
+        </p:txBody>
+      </p:sp>
+      <p:sp>
+        <p:nvSpPr>
+          <p:cNvPr id="2" name="Retângulo: Cantos Arredondados 1">
+            <a:extLst>
+              <a:ext uri="{FF2B5EF4-FFF2-40B4-BE49-F238E27FC236}">
+                <a16:creationId xmlns:a16="http://schemas.microsoft.com/office/drawing/2014/main" id="{E8D2D15F-FF3B-6647-918D-EC21CAB929AD}"/>
+              </a:ext>
+            </a:extLst>
+          </p:cNvPr>
+          <p:cNvSpPr/>
+          <p:nvPr/>
+        </p:nvSpPr>
+        <p:spPr>
+          <a:xfrm>
+            <a:off x="941034" y="630315"/>
+            <a:ext cx="4625266" cy="852256"/>
+          </a:xfrm>
+          <a:prstGeom prst="roundRect">
+            <a:avLst/>
+          </a:prstGeom>
+          <a:solidFill>
+            <a:srgbClr val="30AE77"/>
+          </a:solidFill>
+          <a:ln>
+            <a:noFill/>
+          </a:ln>
+        </p:spPr>
+        <p:style>
+          <a:lnRef idx="2">
+            <a:schemeClr val="accent1">
+              <a:shade val="15000"/>
+            </a:schemeClr>
+          </a:lnRef>
+          <a:fillRef idx="1">
+            <a:schemeClr val="accent1"/>
+          </a:fillRef>
+          <a:effectRef idx="0">
+            <a:schemeClr val="accent1"/>
+          </a:effectRef>
+          <a:fontRef idx="minor">
+            <a:schemeClr val="lt1"/>
+          </a:fontRef>
+        </p:style>
+        <p:txBody>
+          <a:bodyPr rtlCol="0" anchor="ctr"/>
+          <a:lstStyle/>
+          <a:p>
+            <a:pPr algn="ctr"/>
+            <a:r>
+              <a:rPr lang="pt-BR" sz="2800" b="1" i="0" dirty="0">
+                <a:effectLst/>
+                <a:latin typeface="Söhne"/>
+              </a:rPr>
+              <a:t>Alcançabilidade (A)</a:t>
+            </a:r>
+          </a:p>
+        </p:txBody>
+      </p:sp>
+      <p:sp>
+        <p:nvSpPr>
+          <p:cNvPr id="6" name="CaixaDeTexto 5">
+            <a:extLst>
+              <a:ext uri="{FF2B5EF4-FFF2-40B4-BE49-F238E27FC236}">
+                <a16:creationId xmlns:a16="http://schemas.microsoft.com/office/drawing/2014/main" id="{CB1EDFA3-A0AA-3539-A6E7-C3BF38E6D408}"/>
+              </a:ext>
+            </a:extLst>
+          </p:cNvPr>
+          <p:cNvSpPr txBox="1"/>
+          <p:nvPr/>
+        </p:nvSpPr>
+        <p:spPr>
+          <a:xfrm>
+            <a:off x="941034" y="1857827"/>
+            <a:ext cx="11539097" cy="3539430"/>
+          </a:xfrm>
+          <a:prstGeom prst="rect">
+            <a:avLst/>
+          </a:prstGeom>
+          <a:noFill/>
+        </p:spPr>
+        <p:txBody>
+          <a:bodyPr wrap="square" rtlCol="0">
+            <a:spAutoFit/>
+          </a:bodyPr>
+          <a:lstStyle/>
+          <a:p>
+            <a:r>
+              <a:rPr lang="pt-BR" sz="2800" dirty="0"/>
+              <a:t>Objetivos alcançáveis são realistas e factíveis, levando em consideração recursos disponíveis e circunstâncias.</a:t>
+            </a:r>
+          </a:p>
+          <a:p>
+            <a:endParaRPr lang="pt-BR" sz="2800" dirty="0"/>
+          </a:p>
+          <a:p>
+            <a:r>
+              <a:rPr lang="pt-BR" sz="2800" dirty="0"/>
+              <a:t>Definir objetivos que são desafiadores, mas ainda alcançáveis, é crucial. </a:t>
+            </a:r>
+          </a:p>
+          <a:p>
+            <a:endParaRPr lang="pt-BR" sz="2800" dirty="0"/>
+          </a:p>
+          <a:p>
+            <a:r>
+              <a:rPr lang="pt-BR" sz="2800" dirty="0"/>
+              <a:t>Estabelecer metas irrealistas pode levar a desmotivação. </a:t>
+            </a:r>
+          </a:p>
+          <a:p>
+            <a:endParaRPr lang="pt-BR" sz="2800" dirty="0"/>
+          </a:p>
+        </p:txBody>
+      </p:sp>
+    </p:spTree>
+    <p:extLst>
+      <p:ext uri="{BB962C8B-B14F-4D97-AF65-F5344CB8AC3E}">
+        <p14:creationId xmlns:p14="http://schemas.microsoft.com/office/powerpoint/2010/main" val="3183252946"/>
+      </p:ext>
+    </p:extLst>
+  </p:cSld>
+  <p:clrMapOvr>
+    <a:masterClrMapping/>
+  </p:clrMapOvr>
+</p:sld>
+</file>
+
+<file path=ppt/slides/slide9.xml><?xml version="1.0" encoding="utf-8"?>
+<p:sld xmlns:a="http://schemas.openxmlformats.org/drawingml/2006/main" xmlns:r="http://schemas.openxmlformats.org/officeDocument/2006/relationships" xmlns:p="http://schemas.openxmlformats.org/presentationml/2006/main">
+  <p:cSld>
+    <p:spTree>
+      <p:nvGrpSpPr>
+        <p:cNvPr id="1" name=""/>
+        <p:cNvGrpSpPr/>
+        <p:nvPr/>
+      </p:nvGrpSpPr>
+      <p:grpSpPr>
+        <a:xfrm>
+          <a:off x="0" y="0"/>
+          <a:ext cx="0" cy="0"/>
+          <a:chOff x="0" y="0"/>
+          <a:chExt cx="0" cy="0"/>
+        </a:xfrm>
+      </p:grpSpPr>
+      <p:sp>
+        <p:nvSpPr>
+          <p:cNvPr id="3" name="CaixaDeTexto 2">
+            <a:extLst>
+              <a:ext uri="{FF2B5EF4-FFF2-40B4-BE49-F238E27FC236}">
+                <a16:creationId xmlns:a16="http://schemas.microsoft.com/office/drawing/2014/main" id="{C1328C8D-C507-1A52-B82C-CD0438DFF5E9}"/>
+              </a:ext>
+            </a:extLst>
+          </p:cNvPr>
+          <p:cNvSpPr txBox="1"/>
+          <p:nvPr/>
+        </p:nvSpPr>
+        <p:spPr>
+          <a:xfrm>
+            <a:off x="-441063" y="-1348627"/>
+            <a:ext cx="5473595" cy="9248686"/>
+          </a:xfrm>
+          <a:prstGeom prst="rect">
+            <a:avLst/>
+          </a:prstGeom>
+          <a:noFill/>
+        </p:spPr>
+        <p:txBody>
+          <a:bodyPr wrap="square" rtlCol="0">
+            <a:spAutoFit/>
+          </a:bodyPr>
+          <a:lstStyle/>
+          <a:p>
+            <a:r>
+              <a:rPr lang="pt-BR" sz="59500" dirty="0">
+                <a:solidFill>
+                  <a:srgbClr val="EC6B55">
+                    <a:alpha val="30000"/>
+                  </a:srgbClr>
+                </a:solidFill>
+                <a:latin typeface="Algerian" panose="04020705040A02060702" pitchFamily="82" charset="0"/>
+              </a:rPr>
+              <a:t>R</a:t>
+            </a:r>
+          </a:p>
+        </p:txBody>
+      </p:sp>
+      <p:sp>
+        <p:nvSpPr>
+          <p:cNvPr id="2" name="Retângulo: Cantos Arredondados 1">
+            <a:extLst>
+              <a:ext uri="{FF2B5EF4-FFF2-40B4-BE49-F238E27FC236}">
+                <a16:creationId xmlns:a16="http://schemas.microsoft.com/office/drawing/2014/main" id="{E8D2D15F-FF3B-6647-918D-EC21CAB929AD}"/>
+              </a:ext>
+            </a:extLst>
+          </p:cNvPr>
+          <p:cNvSpPr/>
+          <p:nvPr/>
+        </p:nvSpPr>
+        <p:spPr>
+          <a:xfrm>
+            <a:off x="941034" y="630315"/>
+            <a:ext cx="4625266" cy="852256"/>
+          </a:xfrm>
+          <a:prstGeom prst="roundRect">
+            <a:avLst/>
+          </a:prstGeom>
+          <a:solidFill>
+            <a:srgbClr val="EC6B55"/>
+          </a:solidFill>
+          <a:ln>
+            <a:noFill/>
+          </a:ln>
+        </p:spPr>
+        <p:style>
+          <a:lnRef idx="2">
+            <a:schemeClr val="accent1">
+              <a:shade val="15000"/>
+            </a:schemeClr>
+          </a:lnRef>
+          <a:fillRef idx="1">
+            <a:schemeClr val="accent1"/>
+          </a:fillRef>
+          <a:effectRef idx="0">
+            <a:schemeClr val="accent1"/>
+          </a:effectRef>
+          <a:fontRef idx="minor">
+            <a:schemeClr val="lt1"/>
+          </a:fontRef>
+        </p:style>
+        <p:txBody>
+          <a:bodyPr rtlCol="0" anchor="ctr"/>
+          <a:lstStyle/>
+          <a:p>
+            <a:pPr algn="ctr"/>
+            <a:r>
+              <a:rPr lang="pt-BR" sz="3600" b="1" i="0" dirty="0">
+                <a:effectLst/>
+                <a:latin typeface="Söhne"/>
+              </a:rPr>
+              <a:t>Relevância (R)</a:t>
+            </a:r>
+          </a:p>
+        </p:txBody>
+      </p:sp>
+      <p:sp>
+        <p:nvSpPr>
+          <p:cNvPr id="6" name="CaixaDeTexto 5">
+            <a:extLst>
+              <a:ext uri="{FF2B5EF4-FFF2-40B4-BE49-F238E27FC236}">
+                <a16:creationId xmlns:a16="http://schemas.microsoft.com/office/drawing/2014/main" id="{CB1EDFA3-A0AA-3539-A6E7-C3BF38E6D408}"/>
+              </a:ext>
+            </a:extLst>
+          </p:cNvPr>
+          <p:cNvSpPr txBox="1"/>
+          <p:nvPr/>
+        </p:nvSpPr>
+        <p:spPr>
+          <a:xfrm>
+            <a:off x="692309" y="1857827"/>
+            <a:ext cx="10991691" cy="3970318"/>
+          </a:xfrm>
+          <a:prstGeom prst="rect">
+            <a:avLst/>
+          </a:prstGeom>
+          <a:noFill/>
+        </p:spPr>
+        <p:txBody>
+          <a:bodyPr wrap="square" rtlCol="0">
+            <a:spAutoFit/>
+          </a:bodyPr>
+          <a:lstStyle/>
+          <a:p>
+            <a:r>
+              <a:rPr lang="pt-BR" sz="2800" dirty="0"/>
+              <a:t>Objetivos relevantes estão alinhados aos objetivos gerais da organização e são significativos para as partes interessadas.</a:t>
+            </a:r>
+          </a:p>
+          <a:p>
+            <a:endParaRPr lang="pt-BR" sz="2800" dirty="0"/>
+          </a:p>
+          <a:p>
+            <a:r>
+              <a:rPr lang="pt-BR" sz="2800" dirty="0"/>
+              <a:t>Cada objetivo deve contribuir para os objetivos globais da organização. </a:t>
+            </a:r>
+          </a:p>
+          <a:p>
+            <a:endParaRPr lang="pt-BR" sz="2800" dirty="0"/>
+          </a:p>
+          <a:p>
+            <a:r>
+              <a:rPr lang="pt-BR" sz="2800" dirty="0"/>
+              <a:t>Por exemplo, se o objetivo geral é melhorar a eficiência operacional, um objetivo relevante pode ser "Reduzir o tempo de ciclo do processo em 20%".</a:t>
+            </a:r>
+          </a:p>
+        </p:txBody>
+      </p:sp>
+    </p:spTree>
+    <p:extLst>
+      <p:ext uri="{BB962C8B-B14F-4D97-AF65-F5344CB8AC3E}">
+        <p14:creationId xmlns:p14="http://schemas.microsoft.com/office/powerpoint/2010/main" val="327670633"/>
       </p:ext>
     </p:extLst>
   </p:cSld>
